--- a/P1/PRESENTACION_PECL1_SISTEMAS_EMPRESARIALES.pptx
+++ b/P1/PRESENTACION_PECL1_SISTEMAS_EMPRESARIALES.pptx
@@ -16,6 +16,13 @@
     <p:sldId id="265" r:id="rId10"/>
     <p:sldId id="266" r:id="rId11"/>
     <p:sldId id="267" r:id="rId12"/>
+    <p:sldId id="268" r:id="rId13"/>
+    <p:sldId id="269" r:id="rId14"/>
+    <p:sldId id="273" r:id="rId15"/>
+    <p:sldId id="270" r:id="rId16"/>
+    <p:sldId id="274" r:id="rId17"/>
+    <p:sldId id="275" r:id="rId18"/>
+    <p:sldId id="276" r:id="rId19"/>
   </p:sldIdLst>
   <p:sldSz cx="12192000" cy="6858000"/>
   <p:notesSz cx="6858000" cy="9144000"/>
@@ -114,6 +121,11 @@
       </a:defRPr>
     </a:lvl9pPr>
   </p:defaultTextStyle>
+  <p:extLst>
+    <p:ext uri="{EFAFB233-063F-42B5-8137-9DF3F51BA10A}">
+      <p15:sldGuideLst xmlns:p15="http://schemas.microsoft.com/office/powerpoint/2012/main"/>
+    </p:ext>
+  </p:extLst>
 </p:presentation>
 </file>
 
@@ -764,7 +776,7 @@
             <a:fld id="{1E700B27-DE4C-4B9E-BB11-B9027034A00F}" type="datetimeFigureOut">
               <a:rPr lang="en-US" dirty="0"/>
               <a:pPr/>
-              <a:t>3/2/2019</a:t>
+              <a:t>3/3/2019</a:t>
             </a:fld>
             <a:endParaRPr lang="en-US" dirty="0"/>
           </a:p>
@@ -1884,7 +1896,7 @@
           <a:p>
             <a:fld id="{C40F4739-9812-4A9F-890D-2AD6BA5F6EE8}" type="datetimeFigureOut">
               <a:rPr lang="en-US" dirty="0"/>
-              <a:t>3/2/2019</a:t>
+              <a:t>3/3/2019</a:t>
             </a:fld>
             <a:endParaRPr lang="en-US" dirty="0"/>
           </a:p>
@@ -2895,7 +2907,7 @@
           <a:p>
             <a:fld id="{18845AC5-A3F8-44AA-BA8F-596CDCC976D3}" type="datetimeFigureOut">
               <a:rPr lang="en-US" dirty="0"/>
-              <a:t>3/2/2019</a:t>
+              <a:t>3/3/2019</a:t>
             </a:fld>
             <a:endParaRPr lang="en-US" dirty="0"/>
           </a:p>
@@ -4065,7 +4077,7 @@
           <a:p>
             <a:fld id="{C873B183-A821-4095-A363-9EC968635539}" type="datetimeFigureOut">
               <a:rPr lang="en-US" dirty="0"/>
-              <a:t>3/2/2019</a:t>
+              <a:t>3/3/2019</a:t>
             </a:fld>
             <a:endParaRPr lang="en-US" dirty="0"/>
           </a:p>
@@ -5126,7 +5138,7 @@
           <a:p>
             <a:fld id="{174D01B4-0AA5-45E6-B2E6-5FA4078AEBCF}" type="datetimeFigureOut">
               <a:rPr lang="en-US" dirty="0"/>
-              <a:t>3/2/2019</a:t>
+              <a:t>3/3/2019</a:t>
             </a:fld>
             <a:endParaRPr lang="en-US" dirty="0"/>
           </a:p>
@@ -5772,7 +5784,7 @@
           <a:p>
             <a:fld id="{4147335C-0450-40D7-8612-B3203BED4F28}" type="datetimeFigureOut">
               <a:rPr lang="en-US" dirty="0"/>
-              <a:t>3/2/2019</a:t>
+              <a:t>3/3/2019</a:t>
             </a:fld>
             <a:endParaRPr lang="en-US" dirty="0"/>
           </a:p>
@@ -6619,7 +6631,7 @@
           <a:p>
             <a:fld id="{D246A105-2A1C-4284-B4EA-07CF89B1A393}" type="datetimeFigureOut">
               <a:rPr lang="en-US" dirty="0"/>
-              <a:t>3/2/2019</a:t>
+              <a:t>3/3/2019</a:t>
             </a:fld>
             <a:endParaRPr lang="en-US" dirty="0"/>
           </a:p>
@@ -6794,7 +6806,7 @@
           <a:p>
             <a:fld id="{80DBE609-F3F2-45E6-BD6A-E03A8C86C1AE}" type="datetimeFigureOut">
               <a:rPr lang="en-US" dirty="0"/>
-              <a:t>3/2/2019</a:t>
+              <a:t>3/3/2019</a:t>
             </a:fld>
             <a:endParaRPr lang="en-US" dirty="0"/>
           </a:p>
@@ -7792,7 +7804,7 @@
           <a:p>
             <a:fld id="{7A24AD68-089C-4467-A8F3-EA2BBCA6B44E}" type="datetimeFigureOut">
               <a:rPr lang="en-US" dirty="0"/>
-              <a:t>3/2/2019</a:t>
+              <a:t>3/3/2019</a:t>
             </a:fld>
             <a:endParaRPr lang="en-US" dirty="0"/>
           </a:p>
@@ -7998,7 +8010,7 @@
           <a:p>
             <a:fld id="{75C51FCE-E4BB-4680-8E50-3C0E348D2609}" type="datetimeFigureOut">
               <a:rPr lang="en-US" dirty="0"/>
-              <a:t>3/2/2019</a:t>
+              <a:t>3/3/2019</a:t>
             </a:fld>
             <a:endParaRPr lang="en-US" dirty="0"/>
           </a:p>
@@ -9060,7 +9072,7 @@
           <a:p>
             <a:fld id="{8AAA073D-A903-47F8-8D16-77642FB0DF1F}" type="datetimeFigureOut">
               <a:rPr lang="en-US" dirty="0"/>
-              <a:t>3/2/2019</a:t>
+              <a:t>3/3/2019</a:t>
             </a:fld>
             <a:endParaRPr lang="en-US" dirty="0"/>
           </a:p>
@@ -9332,7 +9344,7 @@
           <a:p>
             <a:fld id="{AB91FA40-626B-4CA1-85D0-7A9016E395BA}" type="datetimeFigureOut">
               <a:rPr lang="en-US" dirty="0"/>
-              <a:t>3/2/2019</a:t>
+              <a:t>3/3/2019</a:t>
             </a:fld>
             <a:endParaRPr lang="en-US" dirty="0"/>
           </a:p>
@@ -9714,7 +9726,7 @@
           <a:p>
             <a:fld id="{C3F425EA-B9DC-48A7-991E-9A82573B1B21}" type="datetimeFigureOut">
               <a:rPr lang="en-US" dirty="0"/>
-              <a:t>3/2/2019</a:t>
+              <a:t>3/3/2019</a:t>
             </a:fld>
             <a:endParaRPr lang="en-US" dirty="0"/>
           </a:p>
@@ -9832,7 +9844,7 @@
           <a:p>
             <a:fld id="{66CB97F8-6CEB-469B-AFCC-889F2A2B1D5A}" type="datetimeFigureOut">
               <a:rPr lang="en-US" dirty="0"/>
-              <a:t>3/2/2019</a:t>
+              <a:t>3/3/2019</a:t>
             </a:fld>
             <a:endParaRPr lang="en-US" dirty="0"/>
           </a:p>
@@ -9927,7 +9939,7 @@
           <a:p>
             <a:fld id="{8FA9179F-009E-4FA5-B091-7EBB82A185BD}" type="datetimeFigureOut">
               <a:rPr lang="en-US" dirty="0"/>
-              <a:t>3/2/2019</a:t>
+              <a:t>3/3/2019</a:t>
             </a:fld>
             <a:endParaRPr lang="en-US" dirty="0"/>
           </a:p>
@@ -11036,7 +11048,7 @@
           <a:p>
             <a:fld id="{8E665CEB-0076-4E37-B880-BCEA9784DE0A}" type="datetimeFigureOut">
               <a:rPr lang="en-US" dirty="0"/>
-              <a:t>3/2/2019</a:t>
+              <a:t>3/3/2019</a:t>
             </a:fld>
             <a:endParaRPr lang="en-US" dirty="0"/>
           </a:p>
@@ -12169,7 +12181,7 @@
           <a:p>
             <a:fld id="{A6149E5E-3896-4118-99A7-7B85668F1C5E}" type="datetimeFigureOut">
               <a:rPr lang="en-US" dirty="0"/>
-              <a:t>3/2/2019</a:t>
+              <a:t>3/3/2019</a:t>
             </a:fld>
             <a:endParaRPr lang="en-US" dirty="0"/>
           </a:p>
@@ -13197,7 +13209,7 @@
           <a:p>
             <a:fld id="{7E0D914D-B099-4142-A885-11F276715148}" type="datetimeFigureOut">
               <a:rPr lang="en-US" dirty="0"/>
-              <a:t>3/2/2019</a:t>
+              <a:t>3/3/2019</a:t>
             </a:fld>
             <a:endParaRPr lang="en-US" dirty="0"/>
           </a:p>
@@ -16601,6 +16613,2195 @@
     <p:extLst>
       <p:ext uri="{BB962C8B-B14F-4D97-AF65-F5344CB8AC3E}">
         <p14:creationId xmlns:p14="http://schemas.microsoft.com/office/powerpoint/2010/main" val="3232231722"/>
+      </p:ext>
+    </p:extLst>
+  </p:cSld>
+  <p:clrMapOvr>
+    <a:masterClrMapping/>
+  </p:clrMapOvr>
+</p:sld>
+</file>
+
+<file path=ppt/slides/slide12.xml><?xml version="1.0" encoding="utf-8"?>
+<p:sld xmlns:a="http://schemas.openxmlformats.org/drawingml/2006/main" xmlns:r="http://schemas.openxmlformats.org/officeDocument/2006/relationships" xmlns:p="http://schemas.openxmlformats.org/presentationml/2006/main">
+  <p:cSld>
+    <p:spTree>
+      <p:nvGrpSpPr>
+        <p:cNvPr id="1" name=""/>
+        <p:cNvGrpSpPr/>
+        <p:nvPr/>
+      </p:nvGrpSpPr>
+      <p:grpSpPr>
+        <a:xfrm>
+          <a:off x="0" y="0"/>
+          <a:ext cx="0" cy="0"/>
+          <a:chOff x="0" y="0"/>
+          <a:chExt cx="0" cy="0"/>
+        </a:xfrm>
+      </p:grpSpPr>
+      <p:sp>
+        <p:nvSpPr>
+          <p:cNvPr id="2" name="Título 1">
+            <a:extLst>
+              <a:ext uri="{FF2B5EF4-FFF2-40B4-BE49-F238E27FC236}">
+                <a16:creationId xmlns:a16="http://schemas.microsoft.com/office/drawing/2014/main" id="{12CB8179-10A1-4D3F-903C-CD7F7143F092}"/>
+              </a:ext>
+            </a:extLst>
+          </p:cNvPr>
+          <p:cNvSpPr>
+            <a:spLocks noGrp="1"/>
+          </p:cNvSpPr>
+          <p:nvPr>
+            <p:ph type="title"/>
+          </p:nvPr>
+        </p:nvSpPr>
+        <p:spPr>
+          <a:xfrm>
+            <a:off x="1154953" y="1292016"/>
+            <a:ext cx="8825659" cy="1379755"/>
+          </a:xfrm>
+        </p:spPr>
+        <p:txBody>
+          <a:bodyPr/>
+          <a:lstStyle/>
+          <a:p>
+            <a:r>
+              <a:rPr lang="es-ES" b="1" cap="all"/>
+              <a:t>ACTIVIDAD PSI 7: </a:t>
+            </a:r>
+            <a:br>
+              <a:rPr lang="es-ES" b="1" cap="all"/>
+            </a:br>
+            <a:r>
+              <a:rPr lang="es-ES" b="1" cap="all"/>
+              <a:t>definición de la arquitectura tecnológica</a:t>
+            </a:r>
+            <a:br>
+              <a:rPr lang="es-ES" b="1" cap="all"/>
+            </a:br>
+            <a:r>
+              <a:rPr lang="es-ES" sz="2800" b="1" cap="all"/>
+              <a:t>tarea 7.1 IDENTIFICACIÓN DE LAS NECESIDADES DE INFRAESTRUCTURA TECNOLÓGICA</a:t>
+            </a:r>
+            <a:br>
+              <a:rPr lang="es-ES" sz="4800" b="1" cap="all"/>
+            </a:br>
+            <a:endParaRPr lang="en-US"/>
+          </a:p>
+        </p:txBody>
+      </p:sp>
+      <p:sp>
+        <p:nvSpPr>
+          <p:cNvPr id="5" name="Marcador de contenido 2">
+            <a:extLst>
+              <a:ext uri="{FF2B5EF4-FFF2-40B4-BE49-F238E27FC236}">
+                <a16:creationId xmlns:a16="http://schemas.microsoft.com/office/drawing/2014/main" id="{CA15FF89-E016-4C42-9C76-FA5E4C42723E}"/>
+              </a:ext>
+            </a:extLst>
+          </p:cNvPr>
+          <p:cNvSpPr txBox="1">
+            <a:spLocks/>
+          </p:cNvSpPr>
+          <p:nvPr/>
+        </p:nvSpPr>
+        <p:spPr>
+          <a:xfrm>
+            <a:off x="802182" y="3203264"/>
+            <a:ext cx="9178430" cy="3437021"/>
+          </a:xfrm>
+          <a:prstGeom prst="rect">
+            <a:avLst/>
+          </a:prstGeom>
+        </p:spPr>
+        <p:txBody>
+          <a:bodyPr>
+            <a:normAutofit/>
+          </a:bodyPr>
+          <a:lstStyle>
+            <a:lvl1pPr marL="342900" indent="-342900" algn="l" defTabSz="457200" rtl="0" eaLnBrk="1" latinLnBrk="0" hangingPunct="1">
+              <a:spcBef>
+                <a:spcPts val="1000"/>
+              </a:spcBef>
+              <a:spcAft>
+                <a:spcPts val="0"/>
+              </a:spcAft>
+              <a:buClr>
+                <a:schemeClr val="accent1"/>
+              </a:buClr>
+              <a:buSzPct val="80000"/>
+              <a:buFont typeface="Wingdings 3" charset="2"/>
+              <a:buChar char=""/>
+              <a:defRPr sz="1800" b="0" i="0" kern="1200">
+                <a:solidFill>
+                  <a:schemeClr val="tx1">
+                    <a:lumMod val="75000"/>
+                    <a:lumOff val="25000"/>
+                  </a:schemeClr>
+                </a:solidFill>
+                <a:latin typeface="+mn-lt"/>
+                <a:ea typeface="+mn-ea"/>
+                <a:cs typeface="+mn-cs"/>
+              </a:defRPr>
+            </a:lvl1pPr>
+            <a:lvl2pPr marL="742950" indent="-285750" algn="l" defTabSz="457200" rtl="0" eaLnBrk="1" latinLnBrk="0" hangingPunct="1">
+              <a:spcBef>
+                <a:spcPts val="1000"/>
+              </a:spcBef>
+              <a:spcAft>
+                <a:spcPts val="0"/>
+              </a:spcAft>
+              <a:buClr>
+                <a:schemeClr val="accent1"/>
+              </a:buClr>
+              <a:buSzPct val="80000"/>
+              <a:buFont typeface="Wingdings 3" charset="2"/>
+              <a:buChar char=""/>
+              <a:defRPr sz="1600" b="0" i="0" kern="1200">
+                <a:solidFill>
+                  <a:schemeClr val="tx1">
+                    <a:lumMod val="75000"/>
+                    <a:lumOff val="25000"/>
+                  </a:schemeClr>
+                </a:solidFill>
+                <a:latin typeface="+mn-lt"/>
+                <a:ea typeface="+mn-ea"/>
+                <a:cs typeface="+mn-cs"/>
+              </a:defRPr>
+            </a:lvl2pPr>
+            <a:lvl3pPr marL="1143000" indent="-228600" algn="l" defTabSz="457200" rtl="0" eaLnBrk="1" latinLnBrk="0" hangingPunct="1">
+              <a:spcBef>
+                <a:spcPts val="1000"/>
+              </a:spcBef>
+              <a:spcAft>
+                <a:spcPts val="0"/>
+              </a:spcAft>
+              <a:buClr>
+                <a:schemeClr val="accent1"/>
+              </a:buClr>
+              <a:buSzPct val="80000"/>
+              <a:buFont typeface="Wingdings 3" charset="2"/>
+              <a:buChar char=""/>
+              <a:defRPr sz="1400" b="0" i="0" kern="1200">
+                <a:solidFill>
+                  <a:schemeClr val="tx1">
+                    <a:lumMod val="75000"/>
+                    <a:lumOff val="25000"/>
+                  </a:schemeClr>
+                </a:solidFill>
+                <a:latin typeface="+mn-lt"/>
+                <a:ea typeface="+mn-ea"/>
+                <a:cs typeface="+mn-cs"/>
+              </a:defRPr>
+            </a:lvl3pPr>
+            <a:lvl4pPr marL="1600200" indent="-228600" algn="l" defTabSz="457200" rtl="0" eaLnBrk="1" latinLnBrk="0" hangingPunct="1">
+              <a:spcBef>
+                <a:spcPts val="1000"/>
+              </a:spcBef>
+              <a:spcAft>
+                <a:spcPts val="0"/>
+              </a:spcAft>
+              <a:buClr>
+                <a:schemeClr val="accent1"/>
+              </a:buClr>
+              <a:buSzPct val="80000"/>
+              <a:buFont typeface="Wingdings 3" charset="2"/>
+              <a:buChar char=""/>
+              <a:defRPr sz="1200" b="0" i="0" kern="1200">
+                <a:solidFill>
+                  <a:schemeClr val="tx1">
+                    <a:lumMod val="75000"/>
+                    <a:lumOff val="25000"/>
+                  </a:schemeClr>
+                </a:solidFill>
+                <a:latin typeface="+mn-lt"/>
+                <a:ea typeface="+mn-ea"/>
+                <a:cs typeface="+mn-cs"/>
+              </a:defRPr>
+            </a:lvl4pPr>
+            <a:lvl5pPr marL="2057400" indent="-228600" algn="l" defTabSz="457200" rtl="0" eaLnBrk="1" latinLnBrk="0" hangingPunct="1">
+              <a:spcBef>
+                <a:spcPts val="1000"/>
+              </a:spcBef>
+              <a:spcAft>
+                <a:spcPts val="0"/>
+              </a:spcAft>
+              <a:buClr>
+                <a:schemeClr val="accent1"/>
+              </a:buClr>
+              <a:buSzPct val="80000"/>
+              <a:buFont typeface="Wingdings 3" charset="2"/>
+              <a:buChar char=""/>
+              <a:defRPr sz="1200" b="0" i="0" kern="1200">
+                <a:solidFill>
+                  <a:schemeClr val="tx1">
+                    <a:lumMod val="75000"/>
+                    <a:lumOff val="25000"/>
+                  </a:schemeClr>
+                </a:solidFill>
+                <a:latin typeface="+mn-lt"/>
+                <a:ea typeface="+mn-ea"/>
+                <a:cs typeface="+mn-cs"/>
+              </a:defRPr>
+            </a:lvl5pPr>
+            <a:lvl6pPr marL="2514600" indent="-228600" algn="l" defTabSz="457200" rtl="0" eaLnBrk="1" latinLnBrk="0" hangingPunct="1">
+              <a:spcBef>
+                <a:spcPts val="1000"/>
+              </a:spcBef>
+              <a:spcAft>
+                <a:spcPts val="0"/>
+              </a:spcAft>
+              <a:buClr>
+                <a:schemeClr val="accent1"/>
+              </a:buClr>
+              <a:buSzPct val="80000"/>
+              <a:buFont typeface="Wingdings 3" charset="2"/>
+              <a:buChar char=""/>
+              <a:defRPr sz="1200" b="0" i="0" kern="1200">
+                <a:solidFill>
+                  <a:schemeClr val="tx1">
+                    <a:lumMod val="75000"/>
+                    <a:lumOff val="25000"/>
+                  </a:schemeClr>
+                </a:solidFill>
+                <a:latin typeface="+mn-lt"/>
+                <a:ea typeface="+mn-ea"/>
+                <a:cs typeface="+mn-cs"/>
+              </a:defRPr>
+            </a:lvl6pPr>
+            <a:lvl7pPr marL="2971800" indent="-228600" algn="l" defTabSz="457200" rtl="0" eaLnBrk="1" latinLnBrk="0" hangingPunct="1">
+              <a:spcBef>
+                <a:spcPts val="1000"/>
+              </a:spcBef>
+              <a:spcAft>
+                <a:spcPts val="0"/>
+              </a:spcAft>
+              <a:buClr>
+                <a:schemeClr val="accent1"/>
+              </a:buClr>
+              <a:buSzPct val="80000"/>
+              <a:buFont typeface="Wingdings 3" charset="2"/>
+              <a:buChar char=""/>
+              <a:defRPr sz="1200" b="0" i="0" kern="1200">
+                <a:solidFill>
+                  <a:schemeClr val="tx1">
+                    <a:lumMod val="75000"/>
+                    <a:lumOff val="25000"/>
+                  </a:schemeClr>
+                </a:solidFill>
+                <a:latin typeface="+mn-lt"/>
+                <a:ea typeface="+mn-ea"/>
+                <a:cs typeface="+mn-cs"/>
+              </a:defRPr>
+            </a:lvl7pPr>
+            <a:lvl8pPr marL="3429000" indent="-228600" algn="l" defTabSz="457200" rtl="0" eaLnBrk="1" latinLnBrk="0" hangingPunct="1">
+              <a:spcBef>
+                <a:spcPts val="1000"/>
+              </a:spcBef>
+              <a:spcAft>
+                <a:spcPts val="0"/>
+              </a:spcAft>
+              <a:buClr>
+                <a:schemeClr val="accent1"/>
+              </a:buClr>
+              <a:buSzPct val="80000"/>
+              <a:buFont typeface="Wingdings 3" charset="2"/>
+              <a:buChar char=""/>
+              <a:defRPr sz="1200" b="0" i="0" kern="1200">
+                <a:solidFill>
+                  <a:schemeClr val="tx1">
+                    <a:lumMod val="75000"/>
+                    <a:lumOff val="25000"/>
+                  </a:schemeClr>
+                </a:solidFill>
+                <a:latin typeface="+mn-lt"/>
+                <a:ea typeface="+mn-ea"/>
+                <a:cs typeface="+mn-cs"/>
+              </a:defRPr>
+            </a:lvl8pPr>
+            <a:lvl9pPr marL="3886200" indent="-228600" algn="l" defTabSz="457200" rtl="0" eaLnBrk="1" latinLnBrk="0" hangingPunct="1">
+              <a:spcBef>
+                <a:spcPts val="1000"/>
+              </a:spcBef>
+              <a:spcAft>
+                <a:spcPts val="0"/>
+              </a:spcAft>
+              <a:buClr>
+                <a:schemeClr val="accent1"/>
+              </a:buClr>
+              <a:buSzPct val="80000"/>
+              <a:buFont typeface="Wingdings 3" charset="2"/>
+              <a:buChar char=""/>
+              <a:defRPr sz="1200" b="0" i="0" kern="1200">
+                <a:solidFill>
+                  <a:schemeClr val="tx1">
+                    <a:lumMod val="75000"/>
+                    <a:lumOff val="25000"/>
+                  </a:schemeClr>
+                </a:solidFill>
+                <a:latin typeface="+mn-lt"/>
+                <a:ea typeface="+mn-ea"/>
+                <a:cs typeface="+mn-cs"/>
+              </a:defRPr>
+            </a:lvl9pPr>
+          </a:lstStyle>
+          <a:p>
+            <a:pPr marL="285750" indent="-285750">
+              <a:buClr>
+                <a:schemeClr val="tx1"/>
+              </a:buClr>
+              <a:buFont typeface="Arial" panose="020B0604020202020204" pitchFamily="34" charset="0"/>
+              <a:buChar char="•"/>
+            </a:pPr>
+            <a:r>
+              <a:rPr lang="es-ES" sz="2400"/>
+              <a:t>PROPUESTAS</a:t>
+            </a:r>
+          </a:p>
+          <a:p>
+            <a:pPr marL="685800" lvl="1">
+              <a:buClr>
+                <a:schemeClr val="tx1"/>
+              </a:buClr>
+              <a:buFont typeface="Arial" panose="020B0604020202020204" pitchFamily="34" charset="0"/>
+              <a:buChar char="•"/>
+            </a:pPr>
+            <a:r>
+              <a:rPr lang="es-ES" sz="2200"/>
+              <a:t>VENTAJAS</a:t>
+            </a:r>
+          </a:p>
+          <a:p>
+            <a:pPr marL="685800" lvl="1">
+              <a:buClr>
+                <a:schemeClr val="tx1"/>
+              </a:buClr>
+              <a:buFont typeface="Arial" panose="020B0604020202020204" pitchFamily="34" charset="0"/>
+              <a:buChar char="•"/>
+            </a:pPr>
+            <a:r>
+              <a:rPr lang="es-ES" sz="2200"/>
+              <a:t>INCOVENIENTES</a:t>
+            </a:r>
+            <a:endParaRPr lang="es-ES" sz="2400"/>
+          </a:p>
+          <a:p>
+            <a:pPr marL="685800" lvl="1">
+              <a:buClr>
+                <a:schemeClr val="tx1"/>
+              </a:buClr>
+              <a:buFont typeface="Arial" panose="020B0604020202020204" pitchFamily="34" charset="0"/>
+              <a:buChar char="•"/>
+            </a:pPr>
+            <a:r>
+              <a:rPr lang="es-ES" sz="2200"/>
+              <a:t>PRESUPUESTO</a:t>
+            </a:r>
+          </a:p>
+        </p:txBody>
+      </p:sp>
+      <p:pic>
+        <p:nvPicPr>
+          <p:cNvPr id="7" name="Imagen 6">
+            <a:extLst>
+              <a:ext uri="{FF2B5EF4-FFF2-40B4-BE49-F238E27FC236}">
+                <a16:creationId xmlns:a16="http://schemas.microsoft.com/office/drawing/2014/main" id="{C8714975-E2E1-4826-9EFB-3A716522A228}"/>
+              </a:ext>
+            </a:extLst>
+          </p:cNvPr>
+          <p:cNvPicPr>
+            <a:picLocks noChangeAspect="1"/>
+          </p:cNvPicPr>
+          <p:nvPr/>
+        </p:nvPicPr>
+        <p:blipFill>
+          <a:blip r:embed="rId2"/>
+          <a:stretch>
+            <a:fillRect/>
+          </a:stretch>
+        </p:blipFill>
+        <p:spPr>
+          <a:xfrm>
+            <a:off x="3771900" y="4439247"/>
+            <a:ext cx="8420099" cy="2462621"/>
+          </a:xfrm>
+          <a:prstGeom prst="rect">
+            <a:avLst/>
+          </a:prstGeom>
+        </p:spPr>
+      </p:pic>
+    </p:spTree>
+    <p:extLst>
+      <p:ext uri="{BB962C8B-B14F-4D97-AF65-F5344CB8AC3E}">
+        <p14:creationId xmlns:p14="http://schemas.microsoft.com/office/powerpoint/2010/main" val="843960555"/>
+      </p:ext>
+    </p:extLst>
+  </p:cSld>
+  <p:clrMapOvr>
+    <a:masterClrMapping/>
+  </p:clrMapOvr>
+</p:sld>
+</file>
+
+<file path=ppt/slides/slide13.xml><?xml version="1.0" encoding="utf-8"?>
+<p:sld xmlns:a="http://schemas.openxmlformats.org/drawingml/2006/main" xmlns:r="http://schemas.openxmlformats.org/officeDocument/2006/relationships" xmlns:p="http://schemas.openxmlformats.org/presentationml/2006/main">
+  <p:cSld>
+    <p:spTree>
+      <p:nvGrpSpPr>
+        <p:cNvPr id="1" name=""/>
+        <p:cNvGrpSpPr/>
+        <p:nvPr/>
+      </p:nvGrpSpPr>
+      <p:grpSpPr>
+        <a:xfrm>
+          <a:off x="0" y="0"/>
+          <a:ext cx="0" cy="0"/>
+          <a:chOff x="0" y="0"/>
+          <a:chExt cx="0" cy="0"/>
+        </a:xfrm>
+      </p:grpSpPr>
+      <p:sp>
+        <p:nvSpPr>
+          <p:cNvPr id="4" name="Marcador de contenido 2">
+            <a:extLst>
+              <a:ext uri="{FF2B5EF4-FFF2-40B4-BE49-F238E27FC236}">
+                <a16:creationId xmlns:a16="http://schemas.microsoft.com/office/drawing/2014/main" id="{6923E68E-893F-48F8-BFC9-93747F8D8F93}"/>
+              </a:ext>
+            </a:extLst>
+          </p:cNvPr>
+          <p:cNvSpPr txBox="1">
+            <a:spLocks/>
+          </p:cNvSpPr>
+          <p:nvPr/>
+        </p:nvSpPr>
+        <p:spPr>
+          <a:xfrm>
+            <a:off x="802182" y="3203264"/>
+            <a:ext cx="9178430" cy="3437021"/>
+          </a:xfrm>
+          <a:prstGeom prst="rect">
+            <a:avLst/>
+          </a:prstGeom>
+        </p:spPr>
+        <p:txBody>
+          <a:bodyPr>
+            <a:normAutofit/>
+          </a:bodyPr>
+          <a:lstStyle>
+            <a:lvl1pPr marL="342900" indent="-342900" algn="l" defTabSz="457200" rtl="0" eaLnBrk="1" latinLnBrk="0" hangingPunct="1">
+              <a:spcBef>
+                <a:spcPts val="1000"/>
+              </a:spcBef>
+              <a:spcAft>
+                <a:spcPts val="0"/>
+              </a:spcAft>
+              <a:buClr>
+                <a:schemeClr val="accent1"/>
+              </a:buClr>
+              <a:buSzPct val="80000"/>
+              <a:buFont typeface="Wingdings 3" charset="2"/>
+              <a:buChar char=""/>
+              <a:defRPr sz="1800" b="0" i="0" kern="1200">
+                <a:solidFill>
+                  <a:schemeClr val="tx1">
+                    <a:lumMod val="75000"/>
+                    <a:lumOff val="25000"/>
+                  </a:schemeClr>
+                </a:solidFill>
+                <a:latin typeface="+mn-lt"/>
+                <a:ea typeface="+mn-ea"/>
+                <a:cs typeface="+mn-cs"/>
+              </a:defRPr>
+            </a:lvl1pPr>
+            <a:lvl2pPr marL="742950" indent="-285750" algn="l" defTabSz="457200" rtl="0" eaLnBrk="1" latinLnBrk="0" hangingPunct="1">
+              <a:spcBef>
+                <a:spcPts val="1000"/>
+              </a:spcBef>
+              <a:spcAft>
+                <a:spcPts val="0"/>
+              </a:spcAft>
+              <a:buClr>
+                <a:schemeClr val="accent1"/>
+              </a:buClr>
+              <a:buSzPct val="80000"/>
+              <a:buFont typeface="Wingdings 3" charset="2"/>
+              <a:buChar char=""/>
+              <a:defRPr sz="1600" b="0" i="0" kern="1200">
+                <a:solidFill>
+                  <a:schemeClr val="tx1">
+                    <a:lumMod val="75000"/>
+                    <a:lumOff val="25000"/>
+                  </a:schemeClr>
+                </a:solidFill>
+                <a:latin typeface="+mn-lt"/>
+                <a:ea typeface="+mn-ea"/>
+                <a:cs typeface="+mn-cs"/>
+              </a:defRPr>
+            </a:lvl2pPr>
+            <a:lvl3pPr marL="1143000" indent="-228600" algn="l" defTabSz="457200" rtl="0" eaLnBrk="1" latinLnBrk="0" hangingPunct="1">
+              <a:spcBef>
+                <a:spcPts val="1000"/>
+              </a:spcBef>
+              <a:spcAft>
+                <a:spcPts val="0"/>
+              </a:spcAft>
+              <a:buClr>
+                <a:schemeClr val="accent1"/>
+              </a:buClr>
+              <a:buSzPct val="80000"/>
+              <a:buFont typeface="Wingdings 3" charset="2"/>
+              <a:buChar char=""/>
+              <a:defRPr sz="1400" b="0" i="0" kern="1200">
+                <a:solidFill>
+                  <a:schemeClr val="tx1">
+                    <a:lumMod val="75000"/>
+                    <a:lumOff val="25000"/>
+                  </a:schemeClr>
+                </a:solidFill>
+                <a:latin typeface="+mn-lt"/>
+                <a:ea typeface="+mn-ea"/>
+                <a:cs typeface="+mn-cs"/>
+              </a:defRPr>
+            </a:lvl3pPr>
+            <a:lvl4pPr marL="1600200" indent="-228600" algn="l" defTabSz="457200" rtl="0" eaLnBrk="1" latinLnBrk="0" hangingPunct="1">
+              <a:spcBef>
+                <a:spcPts val="1000"/>
+              </a:spcBef>
+              <a:spcAft>
+                <a:spcPts val="0"/>
+              </a:spcAft>
+              <a:buClr>
+                <a:schemeClr val="accent1"/>
+              </a:buClr>
+              <a:buSzPct val="80000"/>
+              <a:buFont typeface="Wingdings 3" charset="2"/>
+              <a:buChar char=""/>
+              <a:defRPr sz="1200" b="0" i="0" kern="1200">
+                <a:solidFill>
+                  <a:schemeClr val="tx1">
+                    <a:lumMod val="75000"/>
+                    <a:lumOff val="25000"/>
+                  </a:schemeClr>
+                </a:solidFill>
+                <a:latin typeface="+mn-lt"/>
+                <a:ea typeface="+mn-ea"/>
+                <a:cs typeface="+mn-cs"/>
+              </a:defRPr>
+            </a:lvl4pPr>
+            <a:lvl5pPr marL="2057400" indent="-228600" algn="l" defTabSz="457200" rtl="0" eaLnBrk="1" latinLnBrk="0" hangingPunct="1">
+              <a:spcBef>
+                <a:spcPts val="1000"/>
+              </a:spcBef>
+              <a:spcAft>
+                <a:spcPts val="0"/>
+              </a:spcAft>
+              <a:buClr>
+                <a:schemeClr val="accent1"/>
+              </a:buClr>
+              <a:buSzPct val="80000"/>
+              <a:buFont typeface="Wingdings 3" charset="2"/>
+              <a:buChar char=""/>
+              <a:defRPr sz="1200" b="0" i="0" kern="1200">
+                <a:solidFill>
+                  <a:schemeClr val="tx1">
+                    <a:lumMod val="75000"/>
+                    <a:lumOff val="25000"/>
+                  </a:schemeClr>
+                </a:solidFill>
+                <a:latin typeface="+mn-lt"/>
+                <a:ea typeface="+mn-ea"/>
+                <a:cs typeface="+mn-cs"/>
+              </a:defRPr>
+            </a:lvl5pPr>
+            <a:lvl6pPr marL="2514600" indent="-228600" algn="l" defTabSz="457200" rtl="0" eaLnBrk="1" latinLnBrk="0" hangingPunct="1">
+              <a:spcBef>
+                <a:spcPts val="1000"/>
+              </a:spcBef>
+              <a:spcAft>
+                <a:spcPts val="0"/>
+              </a:spcAft>
+              <a:buClr>
+                <a:schemeClr val="accent1"/>
+              </a:buClr>
+              <a:buSzPct val="80000"/>
+              <a:buFont typeface="Wingdings 3" charset="2"/>
+              <a:buChar char=""/>
+              <a:defRPr sz="1200" b="0" i="0" kern="1200">
+                <a:solidFill>
+                  <a:schemeClr val="tx1">
+                    <a:lumMod val="75000"/>
+                    <a:lumOff val="25000"/>
+                  </a:schemeClr>
+                </a:solidFill>
+                <a:latin typeface="+mn-lt"/>
+                <a:ea typeface="+mn-ea"/>
+                <a:cs typeface="+mn-cs"/>
+              </a:defRPr>
+            </a:lvl6pPr>
+            <a:lvl7pPr marL="2971800" indent="-228600" algn="l" defTabSz="457200" rtl="0" eaLnBrk="1" latinLnBrk="0" hangingPunct="1">
+              <a:spcBef>
+                <a:spcPts val="1000"/>
+              </a:spcBef>
+              <a:spcAft>
+                <a:spcPts val="0"/>
+              </a:spcAft>
+              <a:buClr>
+                <a:schemeClr val="accent1"/>
+              </a:buClr>
+              <a:buSzPct val="80000"/>
+              <a:buFont typeface="Wingdings 3" charset="2"/>
+              <a:buChar char=""/>
+              <a:defRPr sz="1200" b="0" i="0" kern="1200">
+                <a:solidFill>
+                  <a:schemeClr val="tx1">
+                    <a:lumMod val="75000"/>
+                    <a:lumOff val="25000"/>
+                  </a:schemeClr>
+                </a:solidFill>
+                <a:latin typeface="+mn-lt"/>
+                <a:ea typeface="+mn-ea"/>
+                <a:cs typeface="+mn-cs"/>
+              </a:defRPr>
+            </a:lvl7pPr>
+            <a:lvl8pPr marL="3429000" indent="-228600" algn="l" defTabSz="457200" rtl="0" eaLnBrk="1" latinLnBrk="0" hangingPunct="1">
+              <a:spcBef>
+                <a:spcPts val="1000"/>
+              </a:spcBef>
+              <a:spcAft>
+                <a:spcPts val="0"/>
+              </a:spcAft>
+              <a:buClr>
+                <a:schemeClr val="accent1"/>
+              </a:buClr>
+              <a:buSzPct val="80000"/>
+              <a:buFont typeface="Wingdings 3" charset="2"/>
+              <a:buChar char=""/>
+              <a:defRPr sz="1200" b="0" i="0" kern="1200">
+                <a:solidFill>
+                  <a:schemeClr val="tx1">
+                    <a:lumMod val="75000"/>
+                    <a:lumOff val="25000"/>
+                  </a:schemeClr>
+                </a:solidFill>
+                <a:latin typeface="+mn-lt"/>
+                <a:ea typeface="+mn-ea"/>
+                <a:cs typeface="+mn-cs"/>
+              </a:defRPr>
+            </a:lvl8pPr>
+            <a:lvl9pPr marL="3886200" indent="-228600" algn="l" defTabSz="457200" rtl="0" eaLnBrk="1" latinLnBrk="0" hangingPunct="1">
+              <a:spcBef>
+                <a:spcPts val="1000"/>
+              </a:spcBef>
+              <a:spcAft>
+                <a:spcPts val="0"/>
+              </a:spcAft>
+              <a:buClr>
+                <a:schemeClr val="accent1"/>
+              </a:buClr>
+              <a:buSzPct val="80000"/>
+              <a:buFont typeface="Wingdings 3" charset="2"/>
+              <a:buChar char=""/>
+              <a:defRPr sz="1200" b="0" i="0" kern="1200">
+                <a:solidFill>
+                  <a:schemeClr val="tx1">
+                    <a:lumMod val="75000"/>
+                    <a:lumOff val="25000"/>
+                  </a:schemeClr>
+                </a:solidFill>
+                <a:latin typeface="+mn-lt"/>
+                <a:ea typeface="+mn-ea"/>
+                <a:cs typeface="+mn-cs"/>
+              </a:defRPr>
+            </a:lvl9pPr>
+          </a:lstStyle>
+          <a:p>
+            <a:pPr marL="285750" indent="-285750">
+              <a:buClr>
+                <a:schemeClr val="tx1"/>
+              </a:buClr>
+              <a:buFont typeface="Arial" panose="020B0604020202020204" pitchFamily="34" charset="0"/>
+              <a:buChar char="•"/>
+            </a:pPr>
+            <a:r>
+              <a:rPr lang="es-ES" sz="2400"/>
+              <a:t>INFRAESTRUCTURA WEB Y RED EXTERNALIZADA</a:t>
+            </a:r>
+          </a:p>
+          <a:p>
+            <a:pPr marL="685800" lvl="1">
+              <a:buClr>
+                <a:schemeClr val="tx1"/>
+              </a:buClr>
+              <a:buFont typeface="Arial" panose="020B0604020202020204" pitchFamily="34" charset="0"/>
+              <a:buChar char="•"/>
+            </a:pPr>
+            <a:r>
+              <a:rPr lang="es-ES" sz="2200"/>
+              <a:t>VENTAJAS</a:t>
+            </a:r>
+          </a:p>
+          <a:p>
+            <a:pPr marL="685800" lvl="1">
+              <a:buClr>
+                <a:schemeClr val="tx1"/>
+              </a:buClr>
+              <a:buFont typeface="Arial" panose="020B0604020202020204" pitchFamily="34" charset="0"/>
+              <a:buChar char="•"/>
+            </a:pPr>
+            <a:r>
+              <a:rPr lang="es-ES" sz="2200"/>
+              <a:t>INCOVENIENTES</a:t>
+            </a:r>
+            <a:endParaRPr lang="es-ES" sz="2400"/>
+          </a:p>
+          <a:p>
+            <a:pPr marL="685800" lvl="1">
+              <a:buClr>
+                <a:schemeClr val="tx1"/>
+              </a:buClr>
+              <a:buFont typeface="Arial" panose="020B0604020202020204" pitchFamily="34" charset="0"/>
+              <a:buChar char="•"/>
+            </a:pPr>
+            <a:r>
+              <a:rPr lang="es-ES" sz="2200"/>
+              <a:t>PRESUPUESTO</a:t>
+            </a:r>
+          </a:p>
+          <a:p>
+            <a:pPr marL="685800" lvl="1">
+              <a:buClr>
+                <a:schemeClr val="tx1"/>
+              </a:buClr>
+              <a:buFont typeface="Arial" panose="020B0604020202020204" pitchFamily="34" charset="0"/>
+              <a:buChar char="•"/>
+            </a:pPr>
+            <a:endParaRPr lang="es-ES" sz="2200"/>
+          </a:p>
+        </p:txBody>
+      </p:sp>
+      <p:pic>
+        <p:nvPicPr>
+          <p:cNvPr id="5" name="Imagen 4">
+            <a:extLst>
+              <a:ext uri="{FF2B5EF4-FFF2-40B4-BE49-F238E27FC236}">
+                <a16:creationId xmlns:a16="http://schemas.microsoft.com/office/drawing/2014/main" id="{ACE6AD07-896A-4DF5-87F5-1457301D39F1}"/>
+              </a:ext>
+            </a:extLst>
+          </p:cNvPr>
+          <p:cNvPicPr>
+            <a:picLocks noChangeAspect="1"/>
+          </p:cNvPicPr>
+          <p:nvPr/>
+        </p:nvPicPr>
+        <p:blipFill>
+          <a:blip r:embed="rId2"/>
+          <a:stretch>
+            <a:fillRect/>
+          </a:stretch>
+        </p:blipFill>
+        <p:spPr>
+          <a:xfrm>
+            <a:off x="3666227" y="4572001"/>
+            <a:ext cx="8525773" cy="2286000"/>
+          </a:xfrm>
+          <a:prstGeom prst="rect">
+            <a:avLst/>
+          </a:prstGeom>
+        </p:spPr>
+      </p:pic>
+    </p:spTree>
+    <p:extLst>
+      <p:ext uri="{BB962C8B-B14F-4D97-AF65-F5344CB8AC3E}">
+        <p14:creationId xmlns:p14="http://schemas.microsoft.com/office/powerpoint/2010/main" val="971771463"/>
+      </p:ext>
+    </p:extLst>
+  </p:cSld>
+  <p:clrMapOvr>
+    <a:masterClrMapping/>
+  </p:clrMapOvr>
+</p:sld>
+</file>
+
+<file path=ppt/slides/slide14.xml><?xml version="1.0" encoding="utf-8"?>
+<p:sld xmlns:a="http://schemas.openxmlformats.org/drawingml/2006/main" xmlns:r="http://schemas.openxmlformats.org/officeDocument/2006/relationships" xmlns:p="http://schemas.openxmlformats.org/presentationml/2006/main">
+  <p:cSld>
+    <p:bg>
+      <p:bgPr>
+        <a:solidFill>
+          <a:schemeClr val="bg1"/>
+        </a:solidFill>
+        <a:effectLst/>
+      </p:bgPr>
+    </p:bg>
+    <p:spTree>
+      <p:nvGrpSpPr>
+        <p:cNvPr id="1" name=""/>
+        <p:cNvGrpSpPr/>
+        <p:nvPr/>
+      </p:nvGrpSpPr>
+      <p:grpSpPr>
+        <a:xfrm>
+          <a:off x="0" y="0"/>
+          <a:ext cx="0" cy="0"/>
+          <a:chOff x="0" y="0"/>
+          <a:chExt cx="0" cy="0"/>
+        </a:xfrm>
+      </p:grpSpPr>
+      <p:sp>
+        <p:nvSpPr>
+          <p:cNvPr id="16" name="Rectangle 15">
+            <a:extLst>
+              <a:ext uri="{FF2B5EF4-FFF2-40B4-BE49-F238E27FC236}">
+                <a16:creationId xmlns:a16="http://schemas.microsoft.com/office/drawing/2014/main" id="{388DD50E-1D2D-48C6-A470-79FB7F337F8A}"/>
+              </a:ext>
+              <a:ext uri="{C183D7F6-B498-43B3-948B-1728B52AA6E4}">
+                <adec:decorative xmlns:adec="http://schemas.microsoft.com/office/drawing/2017/decorative" val="1"/>
+              </a:ext>
+            </a:extLst>
+          </p:cNvPr>
+          <p:cNvSpPr>
+            <a:spLocks noGrp="1" noRot="1" noChangeAspect="1" noMove="1" noResize="1" noEditPoints="1" noAdjustHandles="1" noChangeArrowheads="1" noChangeShapeType="1" noTextEdit="1"/>
+          </p:cNvSpPr>
+          <p:nvPr>
+            <p:extLst>
+              <p:ext uri="{386F3935-93C4-4BCD-93E2-E3B085C9AB24}">
+                <p16:designElem xmlns:p16="http://schemas.microsoft.com/office/powerpoint/2015/main" val="1"/>
+              </p:ext>
+            </p:extLst>
+          </p:nvPr>
+        </p:nvSpPr>
+        <p:spPr>
+          <a:xfrm>
+            <a:off x="10437812" y="0"/>
+            <a:ext cx="685800" cy="1143000"/>
+          </a:xfrm>
+          <a:prstGeom prst="rect">
+            <a:avLst/>
+          </a:prstGeom>
+          <a:solidFill>
+            <a:schemeClr val="accent1"/>
+          </a:solidFill>
+          <a:ln>
+            <a:noFill/>
+          </a:ln>
+        </p:spPr>
+        <p:style>
+          <a:lnRef idx="1">
+            <a:schemeClr val="accent1"/>
+          </a:lnRef>
+          <a:fillRef idx="3">
+            <a:schemeClr val="accent1"/>
+          </a:fillRef>
+          <a:effectRef idx="2">
+            <a:schemeClr val="accent1"/>
+          </a:effectRef>
+          <a:fontRef idx="minor">
+            <a:schemeClr val="lt1"/>
+          </a:fontRef>
+        </p:style>
+      </p:sp>
+      <p:sp>
+        <p:nvSpPr>
+          <p:cNvPr id="18" name="Rectangle 17">
+            <a:extLst>
+              <a:ext uri="{FF2B5EF4-FFF2-40B4-BE49-F238E27FC236}">
+                <a16:creationId xmlns:a16="http://schemas.microsoft.com/office/drawing/2014/main" id="{4F78DAAE-B0C3-49A3-8AB1-AD2FF0E3686F}"/>
+              </a:ext>
+              <a:ext uri="{C183D7F6-B498-43B3-948B-1728B52AA6E4}">
+                <adec:decorative xmlns:adec="http://schemas.microsoft.com/office/drawing/2017/decorative" val="1"/>
+              </a:ext>
+            </a:extLst>
+          </p:cNvPr>
+          <p:cNvSpPr>
+            <a:spLocks noGrp="1" noRot="1" noChangeAspect="1" noMove="1" noResize="1" noEditPoints="1" noAdjustHandles="1" noChangeArrowheads="1" noChangeShapeType="1" noTextEdit="1"/>
+          </p:cNvSpPr>
+          <p:nvPr>
+            <p:extLst>
+              <p:ext uri="{386F3935-93C4-4BCD-93E2-E3B085C9AB24}">
+                <p16:designElem xmlns:p16="http://schemas.microsoft.com/office/powerpoint/2015/main" val="1"/>
+              </p:ext>
+            </p:extLst>
+          </p:nvPr>
+        </p:nvSpPr>
+        <p:spPr>
+          <a:xfrm>
+            <a:off x="0" y="0"/>
+            <a:ext cx="12192000" cy="6858000"/>
+          </a:xfrm>
+          <a:prstGeom prst="rect">
+            <a:avLst/>
+          </a:prstGeom>
+          <a:blipFill>
+            <a:blip r:embed="rId2">
+              <a:duotone>
+                <a:schemeClr val="dk2">
+                  <a:shade val="69000"/>
+                  <a:hueMod val="91000"/>
+                  <a:satMod val="164000"/>
+                  <a:lumMod val="74000"/>
+                </a:schemeClr>
+                <a:schemeClr val="dk2">
+                  <a:hueMod val="124000"/>
+                  <a:satMod val="140000"/>
+                  <a:lumMod val="142000"/>
+                </a:schemeClr>
+              </a:duotone>
+            </a:blip>
+            <a:stretch>
+              <a:fillRect/>
+            </a:stretch>
+          </a:blipFill>
+          <a:ln>
+            <a:noFill/>
+          </a:ln>
+        </p:spPr>
+        <p:style>
+          <a:lnRef idx="2">
+            <a:schemeClr val="accent1">
+              <a:shade val="50000"/>
+            </a:schemeClr>
+          </a:lnRef>
+          <a:fillRef idx="1">
+            <a:schemeClr val="accent1"/>
+          </a:fillRef>
+          <a:effectRef idx="0">
+            <a:schemeClr val="accent1"/>
+          </a:effectRef>
+          <a:fontRef idx="minor">
+            <a:schemeClr val="lt1"/>
+          </a:fontRef>
+        </p:style>
+        <p:txBody>
+          <a:bodyPr/>
+          <a:lstStyle/>
+          <a:p>
+            <a:endParaRPr lang="en-US" dirty="0"/>
+          </a:p>
+        </p:txBody>
+      </p:sp>
+      <p:sp>
+        <p:nvSpPr>
+          <p:cNvPr id="20" name="Rectangle 19">
+            <a:extLst>
+              <a:ext uri="{FF2B5EF4-FFF2-40B4-BE49-F238E27FC236}">
+                <a16:creationId xmlns:a16="http://schemas.microsoft.com/office/drawing/2014/main" id="{F6A8A81D-3338-4B0F-A26F-A3D259D27681}"/>
+              </a:ext>
+              <a:ext uri="{C183D7F6-B498-43B3-948B-1728B52AA6E4}">
+                <adec:decorative xmlns:adec="http://schemas.microsoft.com/office/drawing/2017/decorative" val="1"/>
+              </a:ext>
+            </a:extLst>
+          </p:cNvPr>
+          <p:cNvSpPr>
+            <a:spLocks noGrp="1" noRot="1" noChangeAspect="1" noMove="1" noResize="1" noEditPoints="1" noAdjustHandles="1" noChangeArrowheads="1" noChangeShapeType="1" noTextEdit="1"/>
+          </p:cNvSpPr>
+          <p:nvPr>
+            <p:extLst>
+              <p:ext uri="{386F3935-93C4-4BCD-93E2-E3B085C9AB24}">
+                <p16:designElem xmlns:p16="http://schemas.microsoft.com/office/powerpoint/2015/main" val="1"/>
+              </p:ext>
+            </p:extLst>
+          </p:nvPr>
+        </p:nvSpPr>
+        <p:spPr>
+          <a:xfrm>
+            <a:off x="643466" y="801794"/>
+            <a:ext cx="11000237" cy="5248266"/>
+          </a:xfrm>
+          <a:prstGeom prst="rect">
+            <a:avLst/>
+          </a:prstGeom>
+          <a:solidFill>
+            <a:srgbClr val="FFFFFF"/>
+          </a:solidFill>
+          <a:ln>
+            <a:noFill/>
+          </a:ln>
+        </p:spPr>
+        <p:style>
+          <a:lnRef idx="2">
+            <a:schemeClr val="accent1">
+              <a:shade val="50000"/>
+            </a:schemeClr>
+          </a:lnRef>
+          <a:fillRef idx="1">
+            <a:schemeClr val="accent1"/>
+          </a:fillRef>
+          <a:effectRef idx="0">
+            <a:schemeClr val="accent1"/>
+          </a:effectRef>
+          <a:fontRef idx="minor">
+            <a:schemeClr val="lt1"/>
+          </a:fontRef>
+        </p:style>
+        <p:txBody>
+          <a:bodyPr rtlCol="0" anchor="ctr"/>
+          <a:lstStyle/>
+          <a:p>
+            <a:pPr algn="ctr"/>
+            <a:endParaRPr lang="en-US"/>
+          </a:p>
+        </p:txBody>
+      </p:sp>
+      <p:sp>
+        <p:nvSpPr>
+          <p:cNvPr id="22" name="Rectangle 21">
+            <a:extLst>
+              <a:ext uri="{FF2B5EF4-FFF2-40B4-BE49-F238E27FC236}">
+                <a16:creationId xmlns:a16="http://schemas.microsoft.com/office/drawing/2014/main" id="{40155665-7CE2-4939-AE5E-020DC1D20753}"/>
+              </a:ext>
+              <a:ext uri="{C183D7F6-B498-43B3-948B-1728B52AA6E4}">
+                <adec:decorative xmlns:adec="http://schemas.microsoft.com/office/drawing/2017/decorative" val="1"/>
+              </a:ext>
+            </a:extLst>
+          </p:cNvPr>
+          <p:cNvSpPr>
+            <a:spLocks noGrp="1" noRot="1" noChangeAspect="1" noMove="1" noResize="1" noEditPoints="1" noAdjustHandles="1" noChangeArrowheads="1" noChangeShapeType="1" noTextEdit="1"/>
+          </p:cNvSpPr>
+          <p:nvPr>
+            <p:extLst>
+              <p:ext uri="{386F3935-93C4-4BCD-93E2-E3B085C9AB24}">
+                <p16:designElem xmlns:p16="http://schemas.microsoft.com/office/powerpoint/2015/main" val="1"/>
+              </p:ext>
+            </p:extLst>
+          </p:nvPr>
+        </p:nvSpPr>
+        <p:spPr>
+          <a:xfrm>
+            <a:off x="10437812" y="0"/>
+            <a:ext cx="685800" cy="1143000"/>
+          </a:xfrm>
+          <a:prstGeom prst="rect">
+            <a:avLst/>
+          </a:prstGeom>
+          <a:solidFill>
+            <a:schemeClr val="accent1"/>
+          </a:solidFill>
+          <a:ln>
+            <a:noFill/>
+          </a:ln>
+        </p:spPr>
+        <p:style>
+          <a:lnRef idx="1">
+            <a:schemeClr val="accent1"/>
+          </a:lnRef>
+          <a:fillRef idx="3">
+            <a:schemeClr val="accent1"/>
+          </a:fillRef>
+          <a:effectRef idx="2">
+            <a:schemeClr val="accent1"/>
+          </a:effectRef>
+          <a:fontRef idx="minor">
+            <a:schemeClr val="lt1"/>
+          </a:fontRef>
+        </p:style>
+      </p:sp>
+      <p:pic>
+        <p:nvPicPr>
+          <p:cNvPr id="4" name="Imagen 3">
+            <a:extLst>
+              <a:ext uri="{FF2B5EF4-FFF2-40B4-BE49-F238E27FC236}">
+                <a16:creationId xmlns:a16="http://schemas.microsoft.com/office/drawing/2014/main" id="{DEA586EE-D343-415F-AE00-85F0667B775F}"/>
+              </a:ext>
+            </a:extLst>
+          </p:cNvPr>
+          <p:cNvPicPr>
+            <a:picLocks noChangeAspect="1"/>
+          </p:cNvPicPr>
+          <p:nvPr/>
+        </p:nvPicPr>
+        <p:blipFill>
+          <a:blip r:embed="rId3"/>
+          <a:stretch>
+            <a:fillRect/>
+          </a:stretch>
+        </p:blipFill>
+        <p:spPr>
+          <a:xfrm>
+            <a:off x="2887383" y="801794"/>
+            <a:ext cx="6417234" cy="5248266"/>
+          </a:xfrm>
+          <a:prstGeom prst="rect">
+            <a:avLst/>
+          </a:prstGeom>
+        </p:spPr>
+      </p:pic>
+    </p:spTree>
+    <p:extLst>
+      <p:ext uri="{BB962C8B-B14F-4D97-AF65-F5344CB8AC3E}">
+        <p14:creationId xmlns:p14="http://schemas.microsoft.com/office/powerpoint/2010/main" val="365777786"/>
+      </p:ext>
+    </p:extLst>
+  </p:cSld>
+  <p:clrMapOvr>
+    <a:masterClrMapping/>
+  </p:clrMapOvr>
+</p:sld>
+</file>
+
+<file path=ppt/slides/slide15.xml><?xml version="1.0" encoding="utf-8"?>
+<p:sld xmlns:a="http://schemas.openxmlformats.org/drawingml/2006/main" xmlns:r="http://schemas.openxmlformats.org/officeDocument/2006/relationships" xmlns:p="http://schemas.openxmlformats.org/presentationml/2006/main">
+  <p:cSld>
+    <p:spTree>
+      <p:nvGrpSpPr>
+        <p:cNvPr id="1" name=""/>
+        <p:cNvGrpSpPr/>
+        <p:nvPr/>
+      </p:nvGrpSpPr>
+      <p:grpSpPr>
+        <a:xfrm>
+          <a:off x="0" y="0"/>
+          <a:ext cx="0" cy="0"/>
+          <a:chOff x="0" y="0"/>
+          <a:chExt cx="0" cy="0"/>
+        </a:xfrm>
+      </p:grpSpPr>
+      <p:sp>
+        <p:nvSpPr>
+          <p:cNvPr id="4" name="Título 1">
+            <a:extLst>
+              <a:ext uri="{FF2B5EF4-FFF2-40B4-BE49-F238E27FC236}">
+                <a16:creationId xmlns:a16="http://schemas.microsoft.com/office/drawing/2014/main" id="{8AECD982-7E5B-4A4E-90C8-F8BD6E5B3665}"/>
+              </a:ext>
+            </a:extLst>
+          </p:cNvPr>
+          <p:cNvSpPr>
+            <a:spLocks noGrp="1"/>
+          </p:cNvSpPr>
+          <p:nvPr>
+            <p:ph type="title"/>
+          </p:nvPr>
+        </p:nvSpPr>
+        <p:spPr>
+          <a:xfrm>
+            <a:off x="1154953" y="1292016"/>
+            <a:ext cx="8825659" cy="1379755"/>
+          </a:xfrm>
+        </p:spPr>
+        <p:txBody>
+          <a:bodyPr/>
+          <a:lstStyle/>
+          <a:p>
+            <a:r>
+              <a:rPr lang="es-ES" sz="2800" b="1" cap="all"/>
+              <a:t>tarea 7.2 conclusión y propuesta elegida</a:t>
+            </a:r>
+            <a:br>
+              <a:rPr lang="es-ES" sz="4800" b="1" cap="all"/>
+            </a:br>
+            <a:endParaRPr lang="en-US"/>
+          </a:p>
+        </p:txBody>
+      </p:sp>
+      <p:sp>
+        <p:nvSpPr>
+          <p:cNvPr id="5" name="Marcador de contenido 2">
+            <a:extLst>
+              <a:ext uri="{FF2B5EF4-FFF2-40B4-BE49-F238E27FC236}">
+                <a16:creationId xmlns:a16="http://schemas.microsoft.com/office/drawing/2014/main" id="{FAD5E03E-9760-4829-934E-1F769ACA005F}"/>
+              </a:ext>
+            </a:extLst>
+          </p:cNvPr>
+          <p:cNvSpPr txBox="1">
+            <a:spLocks/>
+          </p:cNvSpPr>
+          <p:nvPr/>
+        </p:nvSpPr>
+        <p:spPr>
+          <a:xfrm>
+            <a:off x="802182" y="3203264"/>
+            <a:ext cx="9178430" cy="3437021"/>
+          </a:xfrm>
+          <a:prstGeom prst="rect">
+            <a:avLst/>
+          </a:prstGeom>
+        </p:spPr>
+        <p:txBody>
+          <a:bodyPr>
+            <a:normAutofit/>
+          </a:bodyPr>
+          <a:lstStyle>
+            <a:lvl1pPr marL="342900" indent="-342900" algn="l" defTabSz="457200" rtl="0" eaLnBrk="1" latinLnBrk="0" hangingPunct="1">
+              <a:spcBef>
+                <a:spcPts val="1000"/>
+              </a:spcBef>
+              <a:spcAft>
+                <a:spcPts val="0"/>
+              </a:spcAft>
+              <a:buClr>
+                <a:schemeClr val="accent1"/>
+              </a:buClr>
+              <a:buSzPct val="80000"/>
+              <a:buFont typeface="Wingdings 3" charset="2"/>
+              <a:buChar char=""/>
+              <a:defRPr sz="1800" b="0" i="0" kern="1200">
+                <a:solidFill>
+                  <a:schemeClr val="tx1">
+                    <a:lumMod val="75000"/>
+                    <a:lumOff val="25000"/>
+                  </a:schemeClr>
+                </a:solidFill>
+                <a:latin typeface="+mn-lt"/>
+                <a:ea typeface="+mn-ea"/>
+                <a:cs typeface="+mn-cs"/>
+              </a:defRPr>
+            </a:lvl1pPr>
+            <a:lvl2pPr marL="742950" indent="-285750" algn="l" defTabSz="457200" rtl="0" eaLnBrk="1" latinLnBrk="0" hangingPunct="1">
+              <a:spcBef>
+                <a:spcPts val="1000"/>
+              </a:spcBef>
+              <a:spcAft>
+                <a:spcPts val="0"/>
+              </a:spcAft>
+              <a:buClr>
+                <a:schemeClr val="accent1"/>
+              </a:buClr>
+              <a:buSzPct val="80000"/>
+              <a:buFont typeface="Wingdings 3" charset="2"/>
+              <a:buChar char=""/>
+              <a:defRPr sz="1600" b="0" i="0" kern="1200">
+                <a:solidFill>
+                  <a:schemeClr val="tx1">
+                    <a:lumMod val="75000"/>
+                    <a:lumOff val="25000"/>
+                  </a:schemeClr>
+                </a:solidFill>
+                <a:latin typeface="+mn-lt"/>
+                <a:ea typeface="+mn-ea"/>
+                <a:cs typeface="+mn-cs"/>
+              </a:defRPr>
+            </a:lvl2pPr>
+            <a:lvl3pPr marL="1143000" indent="-228600" algn="l" defTabSz="457200" rtl="0" eaLnBrk="1" latinLnBrk="0" hangingPunct="1">
+              <a:spcBef>
+                <a:spcPts val="1000"/>
+              </a:spcBef>
+              <a:spcAft>
+                <a:spcPts val="0"/>
+              </a:spcAft>
+              <a:buClr>
+                <a:schemeClr val="accent1"/>
+              </a:buClr>
+              <a:buSzPct val="80000"/>
+              <a:buFont typeface="Wingdings 3" charset="2"/>
+              <a:buChar char=""/>
+              <a:defRPr sz="1400" b="0" i="0" kern="1200">
+                <a:solidFill>
+                  <a:schemeClr val="tx1">
+                    <a:lumMod val="75000"/>
+                    <a:lumOff val="25000"/>
+                  </a:schemeClr>
+                </a:solidFill>
+                <a:latin typeface="+mn-lt"/>
+                <a:ea typeface="+mn-ea"/>
+                <a:cs typeface="+mn-cs"/>
+              </a:defRPr>
+            </a:lvl3pPr>
+            <a:lvl4pPr marL="1600200" indent="-228600" algn="l" defTabSz="457200" rtl="0" eaLnBrk="1" latinLnBrk="0" hangingPunct="1">
+              <a:spcBef>
+                <a:spcPts val="1000"/>
+              </a:spcBef>
+              <a:spcAft>
+                <a:spcPts val="0"/>
+              </a:spcAft>
+              <a:buClr>
+                <a:schemeClr val="accent1"/>
+              </a:buClr>
+              <a:buSzPct val="80000"/>
+              <a:buFont typeface="Wingdings 3" charset="2"/>
+              <a:buChar char=""/>
+              <a:defRPr sz="1200" b="0" i="0" kern="1200">
+                <a:solidFill>
+                  <a:schemeClr val="tx1">
+                    <a:lumMod val="75000"/>
+                    <a:lumOff val="25000"/>
+                  </a:schemeClr>
+                </a:solidFill>
+                <a:latin typeface="+mn-lt"/>
+                <a:ea typeface="+mn-ea"/>
+                <a:cs typeface="+mn-cs"/>
+              </a:defRPr>
+            </a:lvl4pPr>
+            <a:lvl5pPr marL="2057400" indent="-228600" algn="l" defTabSz="457200" rtl="0" eaLnBrk="1" latinLnBrk="0" hangingPunct="1">
+              <a:spcBef>
+                <a:spcPts val="1000"/>
+              </a:spcBef>
+              <a:spcAft>
+                <a:spcPts val="0"/>
+              </a:spcAft>
+              <a:buClr>
+                <a:schemeClr val="accent1"/>
+              </a:buClr>
+              <a:buSzPct val="80000"/>
+              <a:buFont typeface="Wingdings 3" charset="2"/>
+              <a:buChar char=""/>
+              <a:defRPr sz="1200" b="0" i="0" kern="1200">
+                <a:solidFill>
+                  <a:schemeClr val="tx1">
+                    <a:lumMod val="75000"/>
+                    <a:lumOff val="25000"/>
+                  </a:schemeClr>
+                </a:solidFill>
+                <a:latin typeface="+mn-lt"/>
+                <a:ea typeface="+mn-ea"/>
+                <a:cs typeface="+mn-cs"/>
+              </a:defRPr>
+            </a:lvl5pPr>
+            <a:lvl6pPr marL="2514600" indent="-228600" algn="l" defTabSz="457200" rtl="0" eaLnBrk="1" latinLnBrk="0" hangingPunct="1">
+              <a:spcBef>
+                <a:spcPts val="1000"/>
+              </a:spcBef>
+              <a:spcAft>
+                <a:spcPts val="0"/>
+              </a:spcAft>
+              <a:buClr>
+                <a:schemeClr val="accent1"/>
+              </a:buClr>
+              <a:buSzPct val="80000"/>
+              <a:buFont typeface="Wingdings 3" charset="2"/>
+              <a:buChar char=""/>
+              <a:defRPr sz="1200" b="0" i="0" kern="1200">
+                <a:solidFill>
+                  <a:schemeClr val="tx1">
+                    <a:lumMod val="75000"/>
+                    <a:lumOff val="25000"/>
+                  </a:schemeClr>
+                </a:solidFill>
+                <a:latin typeface="+mn-lt"/>
+                <a:ea typeface="+mn-ea"/>
+                <a:cs typeface="+mn-cs"/>
+              </a:defRPr>
+            </a:lvl6pPr>
+            <a:lvl7pPr marL="2971800" indent="-228600" algn="l" defTabSz="457200" rtl="0" eaLnBrk="1" latinLnBrk="0" hangingPunct="1">
+              <a:spcBef>
+                <a:spcPts val="1000"/>
+              </a:spcBef>
+              <a:spcAft>
+                <a:spcPts val="0"/>
+              </a:spcAft>
+              <a:buClr>
+                <a:schemeClr val="accent1"/>
+              </a:buClr>
+              <a:buSzPct val="80000"/>
+              <a:buFont typeface="Wingdings 3" charset="2"/>
+              <a:buChar char=""/>
+              <a:defRPr sz="1200" b="0" i="0" kern="1200">
+                <a:solidFill>
+                  <a:schemeClr val="tx1">
+                    <a:lumMod val="75000"/>
+                    <a:lumOff val="25000"/>
+                  </a:schemeClr>
+                </a:solidFill>
+                <a:latin typeface="+mn-lt"/>
+                <a:ea typeface="+mn-ea"/>
+                <a:cs typeface="+mn-cs"/>
+              </a:defRPr>
+            </a:lvl7pPr>
+            <a:lvl8pPr marL="3429000" indent="-228600" algn="l" defTabSz="457200" rtl="0" eaLnBrk="1" latinLnBrk="0" hangingPunct="1">
+              <a:spcBef>
+                <a:spcPts val="1000"/>
+              </a:spcBef>
+              <a:spcAft>
+                <a:spcPts val="0"/>
+              </a:spcAft>
+              <a:buClr>
+                <a:schemeClr val="accent1"/>
+              </a:buClr>
+              <a:buSzPct val="80000"/>
+              <a:buFont typeface="Wingdings 3" charset="2"/>
+              <a:buChar char=""/>
+              <a:defRPr sz="1200" b="0" i="0" kern="1200">
+                <a:solidFill>
+                  <a:schemeClr val="tx1">
+                    <a:lumMod val="75000"/>
+                    <a:lumOff val="25000"/>
+                  </a:schemeClr>
+                </a:solidFill>
+                <a:latin typeface="+mn-lt"/>
+                <a:ea typeface="+mn-ea"/>
+                <a:cs typeface="+mn-cs"/>
+              </a:defRPr>
+            </a:lvl8pPr>
+            <a:lvl9pPr marL="3886200" indent="-228600" algn="l" defTabSz="457200" rtl="0" eaLnBrk="1" latinLnBrk="0" hangingPunct="1">
+              <a:spcBef>
+                <a:spcPts val="1000"/>
+              </a:spcBef>
+              <a:spcAft>
+                <a:spcPts val="0"/>
+              </a:spcAft>
+              <a:buClr>
+                <a:schemeClr val="accent1"/>
+              </a:buClr>
+              <a:buSzPct val="80000"/>
+              <a:buFont typeface="Wingdings 3" charset="2"/>
+              <a:buChar char=""/>
+              <a:defRPr sz="1200" b="0" i="0" kern="1200">
+                <a:solidFill>
+                  <a:schemeClr val="tx1">
+                    <a:lumMod val="75000"/>
+                    <a:lumOff val="25000"/>
+                  </a:schemeClr>
+                </a:solidFill>
+                <a:latin typeface="+mn-lt"/>
+                <a:ea typeface="+mn-ea"/>
+                <a:cs typeface="+mn-cs"/>
+              </a:defRPr>
+            </a:lvl9pPr>
+          </a:lstStyle>
+          <a:p>
+            <a:pPr marL="285750" indent="-285750">
+              <a:buClr>
+                <a:schemeClr val="tx1"/>
+              </a:buClr>
+              <a:buFont typeface="Arial" panose="020B0604020202020204" pitchFamily="34" charset="0"/>
+              <a:buChar char="•"/>
+            </a:pPr>
+            <a:r>
+              <a:rPr lang="es-ES" sz="2400"/>
+              <a:t>PROPUESTAS FINALES</a:t>
+            </a:r>
+          </a:p>
+          <a:p>
+            <a:pPr marL="285750" indent="-285750">
+              <a:buClr>
+                <a:schemeClr val="tx1"/>
+              </a:buClr>
+              <a:buFont typeface="Arial" panose="020B0604020202020204" pitchFamily="34" charset="0"/>
+              <a:buChar char="•"/>
+            </a:pPr>
+            <a:r>
+              <a:rPr lang="es-ES" sz="2400"/>
+              <a:t>RESULTADOS CON EL ERP</a:t>
+            </a:r>
+          </a:p>
+          <a:p>
+            <a:pPr marL="285750" indent="-285750">
+              <a:buClr>
+                <a:schemeClr val="tx1"/>
+              </a:buClr>
+              <a:buFont typeface="Arial" panose="020B0604020202020204" pitchFamily="34" charset="0"/>
+              <a:buChar char="•"/>
+            </a:pPr>
+            <a:r>
+              <a:rPr lang="es-ES" sz="2400"/>
+              <a:t>MODELO DE NEGOCIO</a:t>
+            </a:r>
+          </a:p>
+          <a:p>
+            <a:pPr marL="285750" indent="-285750">
+              <a:buClr>
+                <a:schemeClr val="tx1"/>
+              </a:buClr>
+              <a:buFont typeface="Arial" panose="020B0604020202020204" pitchFamily="34" charset="0"/>
+              <a:buChar char="•"/>
+            </a:pPr>
+            <a:r>
+              <a:rPr lang="es-ES" sz="2400"/>
+              <a:t>MODELO DE GESTIÓN</a:t>
+            </a:r>
+          </a:p>
+          <a:p>
+            <a:pPr marL="285750" indent="-285750">
+              <a:buClr>
+                <a:schemeClr val="tx1"/>
+              </a:buClr>
+              <a:buFont typeface="Arial" panose="020B0604020202020204" pitchFamily="34" charset="0"/>
+              <a:buChar char="•"/>
+            </a:pPr>
+            <a:r>
+              <a:rPr lang="es-ES" sz="2400"/>
+              <a:t>ESTRATEGIA DE IMPLANTACIÓN</a:t>
+            </a:r>
+          </a:p>
+          <a:p>
+            <a:pPr marL="285750" indent="-285750">
+              <a:buClr>
+                <a:schemeClr val="tx1"/>
+              </a:buClr>
+              <a:buFont typeface="Arial" panose="020B0604020202020204" pitchFamily="34" charset="0"/>
+              <a:buChar char="•"/>
+            </a:pPr>
+            <a:r>
+              <a:rPr lang="es-ES" sz="2400"/>
+              <a:t>NECESIDAD DE SOFTWARE ADICIONAL</a:t>
+            </a:r>
+          </a:p>
+          <a:p>
+            <a:pPr marL="285750" indent="-285750">
+              <a:buClr>
+                <a:schemeClr val="tx1"/>
+              </a:buClr>
+              <a:buFont typeface="Arial" panose="020B0604020202020204" pitchFamily="34" charset="0"/>
+              <a:buChar char="•"/>
+            </a:pPr>
+            <a:endParaRPr lang="es-ES" sz="2200"/>
+          </a:p>
+          <a:p>
+            <a:pPr marL="685800" lvl="1">
+              <a:buClr>
+                <a:schemeClr val="tx1"/>
+              </a:buClr>
+              <a:buFont typeface="Arial" panose="020B0604020202020204" pitchFamily="34" charset="0"/>
+              <a:buChar char="•"/>
+            </a:pPr>
+            <a:endParaRPr lang="es-ES" sz="2200"/>
+          </a:p>
+        </p:txBody>
+      </p:sp>
+    </p:spTree>
+    <p:extLst>
+      <p:ext uri="{BB962C8B-B14F-4D97-AF65-F5344CB8AC3E}">
+        <p14:creationId xmlns:p14="http://schemas.microsoft.com/office/powerpoint/2010/main" val="3639632212"/>
+      </p:ext>
+    </p:extLst>
+  </p:cSld>
+  <p:clrMapOvr>
+    <a:masterClrMapping/>
+  </p:clrMapOvr>
+</p:sld>
+</file>
+
+<file path=ppt/slides/slide16.xml><?xml version="1.0" encoding="utf-8"?>
+<p:sld xmlns:a="http://schemas.openxmlformats.org/drawingml/2006/main" xmlns:r="http://schemas.openxmlformats.org/officeDocument/2006/relationships" xmlns:p="http://schemas.openxmlformats.org/presentationml/2006/main">
+  <p:cSld>
+    <p:spTree>
+      <p:nvGrpSpPr>
+        <p:cNvPr id="1" name=""/>
+        <p:cNvGrpSpPr/>
+        <p:nvPr/>
+      </p:nvGrpSpPr>
+      <p:grpSpPr>
+        <a:xfrm>
+          <a:off x="0" y="0"/>
+          <a:ext cx="0" cy="0"/>
+          <a:chOff x="0" y="0"/>
+          <a:chExt cx="0" cy="0"/>
+        </a:xfrm>
+      </p:grpSpPr>
+      <p:sp>
+        <p:nvSpPr>
+          <p:cNvPr id="2" name="Título 1">
+            <a:extLst>
+              <a:ext uri="{FF2B5EF4-FFF2-40B4-BE49-F238E27FC236}">
+                <a16:creationId xmlns:a16="http://schemas.microsoft.com/office/drawing/2014/main" id="{12CB8179-10A1-4D3F-903C-CD7F7143F092}"/>
+              </a:ext>
+            </a:extLst>
+          </p:cNvPr>
+          <p:cNvSpPr>
+            <a:spLocks noGrp="1"/>
+          </p:cNvSpPr>
+          <p:nvPr>
+            <p:ph type="title"/>
+          </p:nvPr>
+        </p:nvSpPr>
+        <p:spPr>
+          <a:xfrm>
+            <a:off x="1562894" y="702128"/>
+            <a:ext cx="9066212" cy="2413735"/>
+          </a:xfrm>
+        </p:spPr>
+        <p:txBody>
+          <a:bodyPr/>
+          <a:lstStyle/>
+          <a:p>
+            <a:r>
+              <a:rPr lang="es-ES" b="1" cap="all"/>
+              <a:t>ACTIVIDAD PSI 8: </a:t>
+            </a:r>
+            <a:br>
+              <a:rPr lang="es-ES" b="1" cap="all"/>
+            </a:br>
+            <a:r>
+              <a:rPr lang="es-ES" b="1" cap="all"/>
+              <a:t>definición deL PLAN DE ACCIÓN</a:t>
+            </a:r>
+            <a:br>
+              <a:rPr lang="es-ES" b="1" cap="all"/>
+            </a:br>
+            <a:r>
+              <a:rPr lang="es-ES" sz="2800" b="1" cap="all"/>
+              <a:t>tarea 8.1 DEFINICIÓN DE PROYECTOS A REALIZAR</a:t>
+            </a:r>
+            <a:br>
+              <a:rPr lang="es-ES" sz="2800" b="1" cap="all"/>
+            </a:br>
+            <a:r>
+              <a:rPr lang="es-ES" sz="2800" b="1" cap="all"/>
+              <a:t>tarea 8.2 elaboración del plan de mantenimiento del psi</a:t>
+            </a:r>
+            <a:br>
+              <a:rPr lang="es-ES" sz="2800" b="1" cap="all"/>
+            </a:br>
+            <a:endParaRPr lang="en-US" sz="2800" b="1" cap="all"/>
+          </a:p>
+        </p:txBody>
+      </p:sp>
+      <p:pic>
+        <p:nvPicPr>
+          <p:cNvPr id="3" name="Imagen 2">
+            <a:extLst>
+              <a:ext uri="{FF2B5EF4-FFF2-40B4-BE49-F238E27FC236}">
+                <a16:creationId xmlns:a16="http://schemas.microsoft.com/office/drawing/2014/main" id="{E5683EAA-5F2F-4850-BB69-1C3453E1D0D3}"/>
+              </a:ext>
+            </a:extLst>
+          </p:cNvPr>
+          <p:cNvPicPr>
+            <a:picLocks noChangeAspect="1"/>
+          </p:cNvPicPr>
+          <p:nvPr/>
+        </p:nvPicPr>
+        <p:blipFill>
+          <a:blip r:embed="rId2"/>
+          <a:stretch>
+            <a:fillRect/>
+          </a:stretch>
+        </p:blipFill>
+        <p:spPr>
+          <a:xfrm>
+            <a:off x="552450" y="3279149"/>
+            <a:ext cx="11087100" cy="3578851"/>
+          </a:xfrm>
+          <a:prstGeom prst="rect">
+            <a:avLst/>
+          </a:prstGeom>
+        </p:spPr>
+      </p:pic>
+    </p:spTree>
+    <p:extLst>
+      <p:ext uri="{BB962C8B-B14F-4D97-AF65-F5344CB8AC3E}">
+        <p14:creationId xmlns:p14="http://schemas.microsoft.com/office/powerpoint/2010/main" val="1970051541"/>
+      </p:ext>
+    </p:extLst>
+  </p:cSld>
+  <p:clrMapOvr>
+    <a:masterClrMapping/>
+  </p:clrMapOvr>
+</p:sld>
+</file>
+
+<file path=ppt/slides/slide17.xml><?xml version="1.0" encoding="utf-8"?>
+<p:sld xmlns:a="http://schemas.openxmlformats.org/drawingml/2006/main" xmlns:r="http://schemas.openxmlformats.org/officeDocument/2006/relationships" xmlns:p="http://schemas.openxmlformats.org/presentationml/2006/main">
+  <p:cSld>
+    <p:spTree>
+      <p:nvGrpSpPr>
+        <p:cNvPr id="1" name=""/>
+        <p:cNvGrpSpPr/>
+        <p:nvPr/>
+      </p:nvGrpSpPr>
+      <p:grpSpPr>
+        <a:xfrm>
+          <a:off x="0" y="0"/>
+          <a:ext cx="0" cy="0"/>
+          <a:chOff x="0" y="0"/>
+          <a:chExt cx="0" cy="0"/>
+        </a:xfrm>
+      </p:grpSpPr>
+      <p:sp>
+        <p:nvSpPr>
+          <p:cNvPr id="2" name="Título 1">
+            <a:extLst>
+              <a:ext uri="{FF2B5EF4-FFF2-40B4-BE49-F238E27FC236}">
+                <a16:creationId xmlns:a16="http://schemas.microsoft.com/office/drawing/2014/main" id="{12CB8179-10A1-4D3F-903C-CD7F7143F092}"/>
+              </a:ext>
+            </a:extLst>
+          </p:cNvPr>
+          <p:cNvSpPr>
+            <a:spLocks noGrp="1"/>
+          </p:cNvSpPr>
+          <p:nvPr>
+            <p:ph type="title"/>
+          </p:nvPr>
+        </p:nvSpPr>
+        <p:spPr>
+          <a:xfrm>
+            <a:off x="1562894" y="702128"/>
+            <a:ext cx="9066212" cy="2413735"/>
+          </a:xfrm>
+        </p:spPr>
+        <p:txBody>
+          <a:bodyPr/>
+          <a:lstStyle/>
+          <a:p>
+            <a:r>
+              <a:rPr lang="es-ES" b="1" cap="all"/>
+              <a:t>ACTIVIDAD PSI 9: </a:t>
+            </a:r>
+            <a:br>
+              <a:rPr lang="es-ES" b="1" cap="all"/>
+            </a:br>
+            <a:r>
+              <a:rPr lang="es-ES" b="1" cap="all"/>
+              <a:t>revisión y aprobación del psi</a:t>
+            </a:r>
+            <a:br>
+              <a:rPr lang="es-ES" b="1" cap="all"/>
+            </a:br>
+            <a:r>
+              <a:rPr lang="es-ES" sz="2800" b="1" cap="all"/>
+              <a:t>tarea 9.1 convocatoria de presentación</a:t>
+            </a:r>
+            <a:br>
+              <a:rPr lang="es-ES" sz="2800" b="1" cap="all"/>
+            </a:br>
+            <a:endParaRPr lang="en-US" sz="2800" b="1" cap="all"/>
+          </a:p>
+        </p:txBody>
+      </p:sp>
+      <p:sp>
+        <p:nvSpPr>
+          <p:cNvPr id="4" name="Marcador de contenido 2">
+            <a:extLst>
+              <a:ext uri="{FF2B5EF4-FFF2-40B4-BE49-F238E27FC236}">
+                <a16:creationId xmlns:a16="http://schemas.microsoft.com/office/drawing/2014/main" id="{F4B17353-5849-427A-905C-B18933720F21}"/>
+              </a:ext>
+            </a:extLst>
+          </p:cNvPr>
+          <p:cNvSpPr txBox="1">
+            <a:spLocks/>
+          </p:cNvSpPr>
+          <p:nvPr/>
+        </p:nvSpPr>
+        <p:spPr>
+          <a:xfrm>
+            <a:off x="802182" y="3203264"/>
+            <a:ext cx="9178430" cy="3437021"/>
+          </a:xfrm>
+          <a:prstGeom prst="rect">
+            <a:avLst/>
+          </a:prstGeom>
+        </p:spPr>
+        <p:txBody>
+          <a:bodyPr>
+            <a:normAutofit fontScale="92500" lnSpcReduction="10000"/>
+          </a:bodyPr>
+          <a:lstStyle>
+            <a:lvl1pPr marL="342900" indent="-342900" algn="l" defTabSz="457200" rtl="0" eaLnBrk="1" latinLnBrk="0" hangingPunct="1">
+              <a:spcBef>
+                <a:spcPts val="1000"/>
+              </a:spcBef>
+              <a:spcAft>
+                <a:spcPts val="0"/>
+              </a:spcAft>
+              <a:buClr>
+                <a:schemeClr val="accent1"/>
+              </a:buClr>
+              <a:buSzPct val="80000"/>
+              <a:buFont typeface="Wingdings 3" charset="2"/>
+              <a:buChar char=""/>
+              <a:defRPr sz="1800" b="0" i="0" kern="1200">
+                <a:solidFill>
+                  <a:schemeClr val="tx1">
+                    <a:lumMod val="75000"/>
+                    <a:lumOff val="25000"/>
+                  </a:schemeClr>
+                </a:solidFill>
+                <a:latin typeface="+mn-lt"/>
+                <a:ea typeface="+mn-ea"/>
+                <a:cs typeface="+mn-cs"/>
+              </a:defRPr>
+            </a:lvl1pPr>
+            <a:lvl2pPr marL="742950" indent="-285750" algn="l" defTabSz="457200" rtl="0" eaLnBrk="1" latinLnBrk="0" hangingPunct="1">
+              <a:spcBef>
+                <a:spcPts val="1000"/>
+              </a:spcBef>
+              <a:spcAft>
+                <a:spcPts val="0"/>
+              </a:spcAft>
+              <a:buClr>
+                <a:schemeClr val="accent1"/>
+              </a:buClr>
+              <a:buSzPct val="80000"/>
+              <a:buFont typeface="Wingdings 3" charset="2"/>
+              <a:buChar char=""/>
+              <a:defRPr sz="1600" b="0" i="0" kern="1200">
+                <a:solidFill>
+                  <a:schemeClr val="tx1">
+                    <a:lumMod val="75000"/>
+                    <a:lumOff val="25000"/>
+                  </a:schemeClr>
+                </a:solidFill>
+                <a:latin typeface="+mn-lt"/>
+                <a:ea typeface="+mn-ea"/>
+                <a:cs typeface="+mn-cs"/>
+              </a:defRPr>
+            </a:lvl2pPr>
+            <a:lvl3pPr marL="1143000" indent="-228600" algn="l" defTabSz="457200" rtl="0" eaLnBrk="1" latinLnBrk="0" hangingPunct="1">
+              <a:spcBef>
+                <a:spcPts val="1000"/>
+              </a:spcBef>
+              <a:spcAft>
+                <a:spcPts val="0"/>
+              </a:spcAft>
+              <a:buClr>
+                <a:schemeClr val="accent1"/>
+              </a:buClr>
+              <a:buSzPct val="80000"/>
+              <a:buFont typeface="Wingdings 3" charset="2"/>
+              <a:buChar char=""/>
+              <a:defRPr sz="1400" b="0" i="0" kern="1200">
+                <a:solidFill>
+                  <a:schemeClr val="tx1">
+                    <a:lumMod val="75000"/>
+                    <a:lumOff val="25000"/>
+                  </a:schemeClr>
+                </a:solidFill>
+                <a:latin typeface="+mn-lt"/>
+                <a:ea typeface="+mn-ea"/>
+                <a:cs typeface="+mn-cs"/>
+              </a:defRPr>
+            </a:lvl3pPr>
+            <a:lvl4pPr marL="1600200" indent="-228600" algn="l" defTabSz="457200" rtl="0" eaLnBrk="1" latinLnBrk="0" hangingPunct="1">
+              <a:spcBef>
+                <a:spcPts val="1000"/>
+              </a:spcBef>
+              <a:spcAft>
+                <a:spcPts val="0"/>
+              </a:spcAft>
+              <a:buClr>
+                <a:schemeClr val="accent1"/>
+              </a:buClr>
+              <a:buSzPct val="80000"/>
+              <a:buFont typeface="Wingdings 3" charset="2"/>
+              <a:buChar char=""/>
+              <a:defRPr sz="1200" b="0" i="0" kern="1200">
+                <a:solidFill>
+                  <a:schemeClr val="tx1">
+                    <a:lumMod val="75000"/>
+                    <a:lumOff val="25000"/>
+                  </a:schemeClr>
+                </a:solidFill>
+                <a:latin typeface="+mn-lt"/>
+                <a:ea typeface="+mn-ea"/>
+                <a:cs typeface="+mn-cs"/>
+              </a:defRPr>
+            </a:lvl4pPr>
+            <a:lvl5pPr marL="2057400" indent="-228600" algn="l" defTabSz="457200" rtl="0" eaLnBrk="1" latinLnBrk="0" hangingPunct="1">
+              <a:spcBef>
+                <a:spcPts val="1000"/>
+              </a:spcBef>
+              <a:spcAft>
+                <a:spcPts val="0"/>
+              </a:spcAft>
+              <a:buClr>
+                <a:schemeClr val="accent1"/>
+              </a:buClr>
+              <a:buSzPct val="80000"/>
+              <a:buFont typeface="Wingdings 3" charset="2"/>
+              <a:buChar char=""/>
+              <a:defRPr sz="1200" b="0" i="0" kern="1200">
+                <a:solidFill>
+                  <a:schemeClr val="tx1">
+                    <a:lumMod val="75000"/>
+                    <a:lumOff val="25000"/>
+                  </a:schemeClr>
+                </a:solidFill>
+                <a:latin typeface="+mn-lt"/>
+                <a:ea typeface="+mn-ea"/>
+                <a:cs typeface="+mn-cs"/>
+              </a:defRPr>
+            </a:lvl5pPr>
+            <a:lvl6pPr marL="2514600" indent="-228600" algn="l" defTabSz="457200" rtl="0" eaLnBrk="1" latinLnBrk="0" hangingPunct="1">
+              <a:spcBef>
+                <a:spcPts val="1000"/>
+              </a:spcBef>
+              <a:spcAft>
+                <a:spcPts val="0"/>
+              </a:spcAft>
+              <a:buClr>
+                <a:schemeClr val="accent1"/>
+              </a:buClr>
+              <a:buSzPct val="80000"/>
+              <a:buFont typeface="Wingdings 3" charset="2"/>
+              <a:buChar char=""/>
+              <a:defRPr sz="1200" b="0" i="0" kern="1200">
+                <a:solidFill>
+                  <a:schemeClr val="tx1">
+                    <a:lumMod val="75000"/>
+                    <a:lumOff val="25000"/>
+                  </a:schemeClr>
+                </a:solidFill>
+                <a:latin typeface="+mn-lt"/>
+                <a:ea typeface="+mn-ea"/>
+                <a:cs typeface="+mn-cs"/>
+              </a:defRPr>
+            </a:lvl6pPr>
+            <a:lvl7pPr marL="2971800" indent="-228600" algn="l" defTabSz="457200" rtl="0" eaLnBrk="1" latinLnBrk="0" hangingPunct="1">
+              <a:spcBef>
+                <a:spcPts val="1000"/>
+              </a:spcBef>
+              <a:spcAft>
+                <a:spcPts val="0"/>
+              </a:spcAft>
+              <a:buClr>
+                <a:schemeClr val="accent1"/>
+              </a:buClr>
+              <a:buSzPct val="80000"/>
+              <a:buFont typeface="Wingdings 3" charset="2"/>
+              <a:buChar char=""/>
+              <a:defRPr sz="1200" b="0" i="0" kern="1200">
+                <a:solidFill>
+                  <a:schemeClr val="tx1">
+                    <a:lumMod val="75000"/>
+                    <a:lumOff val="25000"/>
+                  </a:schemeClr>
+                </a:solidFill>
+                <a:latin typeface="+mn-lt"/>
+                <a:ea typeface="+mn-ea"/>
+                <a:cs typeface="+mn-cs"/>
+              </a:defRPr>
+            </a:lvl7pPr>
+            <a:lvl8pPr marL="3429000" indent="-228600" algn="l" defTabSz="457200" rtl="0" eaLnBrk="1" latinLnBrk="0" hangingPunct="1">
+              <a:spcBef>
+                <a:spcPts val="1000"/>
+              </a:spcBef>
+              <a:spcAft>
+                <a:spcPts val="0"/>
+              </a:spcAft>
+              <a:buClr>
+                <a:schemeClr val="accent1"/>
+              </a:buClr>
+              <a:buSzPct val="80000"/>
+              <a:buFont typeface="Wingdings 3" charset="2"/>
+              <a:buChar char=""/>
+              <a:defRPr sz="1200" b="0" i="0" kern="1200">
+                <a:solidFill>
+                  <a:schemeClr val="tx1">
+                    <a:lumMod val="75000"/>
+                    <a:lumOff val="25000"/>
+                  </a:schemeClr>
+                </a:solidFill>
+                <a:latin typeface="+mn-lt"/>
+                <a:ea typeface="+mn-ea"/>
+                <a:cs typeface="+mn-cs"/>
+              </a:defRPr>
+            </a:lvl8pPr>
+            <a:lvl9pPr marL="3886200" indent="-228600" algn="l" defTabSz="457200" rtl="0" eaLnBrk="1" latinLnBrk="0" hangingPunct="1">
+              <a:spcBef>
+                <a:spcPts val="1000"/>
+              </a:spcBef>
+              <a:spcAft>
+                <a:spcPts val="0"/>
+              </a:spcAft>
+              <a:buClr>
+                <a:schemeClr val="accent1"/>
+              </a:buClr>
+              <a:buSzPct val="80000"/>
+              <a:buFont typeface="Wingdings 3" charset="2"/>
+              <a:buChar char=""/>
+              <a:defRPr sz="1200" b="0" i="0" kern="1200">
+                <a:solidFill>
+                  <a:schemeClr val="tx1">
+                    <a:lumMod val="75000"/>
+                    <a:lumOff val="25000"/>
+                  </a:schemeClr>
+                </a:solidFill>
+                <a:latin typeface="+mn-lt"/>
+                <a:ea typeface="+mn-ea"/>
+                <a:cs typeface="+mn-cs"/>
+              </a:defRPr>
+            </a:lvl9pPr>
+          </a:lstStyle>
+          <a:p>
+            <a:pPr marL="285750" indent="-285750">
+              <a:buClr>
+                <a:schemeClr val="tx1"/>
+              </a:buClr>
+              <a:buFont typeface="Arial" panose="020B0604020202020204" pitchFamily="34" charset="0"/>
+              <a:buChar char="•"/>
+            </a:pPr>
+            <a:r>
+              <a:rPr lang="es-ES" sz="2400"/>
+              <a:t>CÁLCULO DE NÓMINAS</a:t>
+            </a:r>
+          </a:p>
+          <a:p>
+            <a:pPr marL="285750" indent="-285750">
+              <a:buClr>
+                <a:schemeClr val="tx1"/>
+              </a:buClr>
+              <a:buFont typeface="Arial" panose="020B0604020202020204" pitchFamily="34" charset="0"/>
+              <a:buChar char="•"/>
+            </a:pPr>
+            <a:r>
+              <a:rPr lang="es-ES" sz="2400"/>
+              <a:t>GESTIÓN DE CUADRANTES</a:t>
+            </a:r>
+          </a:p>
+          <a:p>
+            <a:pPr marL="285750" indent="-285750">
+              <a:buClr>
+                <a:schemeClr val="tx1"/>
+              </a:buClr>
+              <a:buFont typeface="Arial" panose="020B0604020202020204" pitchFamily="34" charset="0"/>
+              <a:buChar char="•"/>
+            </a:pPr>
+            <a:r>
+              <a:rPr lang="es-ES" sz="2400"/>
+              <a:t>FACTURACIÓN</a:t>
+            </a:r>
+          </a:p>
+          <a:p>
+            <a:pPr marL="285750" indent="-285750">
+              <a:buClr>
+                <a:schemeClr val="tx1"/>
+              </a:buClr>
+              <a:buFont typeface="Arial" panose="020B0604020202020204" pitchFamily="34" charset="0"/>
+              <a:buChar char="•"/>
+            </a:pPr>
+            <a:r>
+              <a:rPr lang="es-ES" sz="2400"/>
+              <a:t>REALIZACIÓN DE CONTABILIDAD</a:t>
+            </a:r>
+          </a:p>
+          <a:p>
+            <a:pPr marL="285750" indent="-285750">
+              <a:buClr>
+                <a:schemeClr val="tx1"/>
+              </a:buClr>
+              <a:buFont typeface="Arial" panose="020B0604020202020204" pitchFamily="34" charset="0"/>
+              <a:buChar char="•"/>
+            </a:pPr>
+            <a:r>
+              <a:rPr lang="es-ES" sz="2400"/>
+              <a:t>CONTROL DEL STOCK</a:t>
+            </a:r>
+          </a:p>
+          <a:p>
+            <a:pPr marL="285750" indent="-285750">
+              <a:buClr>
+                <a:schemeClr val="tx1"/>
+              </a:buClr>
+              <a:buFont typeface="Arial" panose="020B0604020202020204" pitchFamily="34" charset="0"/>
+              <a:buChar char="•"/>
+            </a:pPr>
+            <a:r>
+              <a:rPr lang="es-ES" sz="2400"/>
+              <a:t>CONTROL DE LAS HORAS TRABAJADAS</a:t>
+            </a:r>
+          </a:p>
+          <a:p>
+            <a:pPr marL="285750" indent="-285750">
+              <a:buClr>
+                <a:schemeClr val="tx1"/>
+              </a:buClr>
+              <a:buFont typeface="Arial" panose="020B0604020202020204" pitchFamily="34" charset="0"/>
+              <a:buChar char="•"/>
+            </a:pPr>
+            <a:r>
+              <a:rPr lang="es-ES" sz="2400"/>
+              <a:t>COMUNICACIÓN INTERNA</a:t>
+            </a:r>
+          </a:p>
+          <a:p>
+            <a:pPr marL="285750" indent="-285750">
+              <a:buClr>
+                <a:schemeClr val="tx1"/>
+              </a:buClr>
+              <a:buFont typeface="Arial" panose="020B0604020202020204" pitchFamily="34" charset="0"/>
+              <a:buChar char="•"/>
+            </a:pPr>
+            <a:r>
+              <a:rPr lang="es-ES" sz="2400"/>
+              <a:t>CONEXIONES REMOTAS DEL SISTEMA</a:t>
+            </a:r>
+          </a:p>
+          <a:p>
+            <a:pPr marL="285750" indent="-285750">
+              <a:buClr>
+                <a:schemeClr val="tx1"/>
+              </a:buClr>
+              <a:buFont typeface="Arial" panose="020B0604020202020204" pitchFamily="34" charset="0"/>
+              <a:buChar char="•"/>
+            </a:pPr>
+            <a:endParaRPr lang="es-ES" sz="2200"/>
+          </a:p>
+          <a:p>
+            <a:pPr marL="685800" lvl="1">
+              <a:buClr>
+                <a:schemeClr val="tx1"/>
+              </a:buClr>
+              <a:buFont typeface="Arial" panose="020B0604020202020204" pitchFamily="34" charset="0"/>
+              <a:buChar char="•"/>
+            </a:pPr>
+            <a:endParaRPr lang="es-ES" sz="2200"/>
+          </a:p>
+        </p:txBody>
+      </p:sp>
+    </p:spTree>
+    <p:extLst>
+      <p:ext uri="{BB962C8B-B14F-4D97-AF65-F5344CB8AC3E}">
+        <p14:creationId xmlns:p14="http://schemas.microsoft.com/office/powerpoint/2010/main" val="58463283"/>
+      </p:ext>
+    </p:extLst>
+  </p:cSld>
+  <p:clrMapOvr>
+    <a:masterClrMapping/>
+  </p:clrMapOvr>
+</p:sld>
+</file>
+
+<file path=ppt/slides/slide18.xml><?xml version="1.0" encoding="utf-8"?>
+<p:sld xmlns:a="http://schemas.openxmlformats.org/drawingml/2006/main" xmlns:r="http://schemas.openxmlformats.org/officeDocument/2006/relationships" xmlns:p="http://schemas.openxmlformats.org/presentationml/2006/main">
+  <p:cSld>
+    <p:spTree>
+      <p:nvGrpSpPr>
+        <p:cNvPr id="1" name=""/>
+        <p:cNvGrpSpPr/>
+        <p:nvPr/>
+      </p:nvGrpSpPr>
+      <p:grpSpPr>
+        <a:xfrm>
+          <a:off x="0" y="0"/>
+          <a:ext cx="0" cy="0"/>
+          <a:chOff x="0" y="0"/>
+          <a:chExt cx="0" cy="0"/>
+        </a:xfrm>
+      </p:grpSpPr>
+      <p:sp>
+        <p:nvSpPr>
+          <p:cNvPr id="4" name="Título 1">
+            <a:extLst>
+              <a:ext uri="{FF2B5EF4-FFF2-40B4-BE49-F238E27FC236}">
+                <a16:creationId xmlns:a16="http://schemas.microsoft.com/office/drawing/2014/main" id="{8AECD982-7E5B-4A4E-90C8-F8BD6E5B3665}"/>
+              </a:ext>
+            </a:extLst>
+          </p:cNvPr>
+          <p:cNvSpPr>
+            <a:spLocks noGrp="1"/>
+          </p:cNvSpPr>
+          <p:nvPr>
+            <p:ph type="title"/>
+          </p:nvPr>
+        </p:nvSpPr>
+        <p:spPr>
+          <a:xfrm>
+            <a:off x="1154953" y="1292016"/>
+            <a:ext cx="8825659" cy="1379755"/>
+          </a:xfrm>
+        </p:spPr>
+        <p:txBody>
+          <a:bodyPr/>
+          <a:lstStyle/>
+          <a:p>
+            <a:r>
+              <a:rPr lang="es-ES" sz="3600" b="1" cap="all"/>
+              <a:t>tarea 9.2 EVALUACIÓN Y MEJORAS PROPUESTAS</a:t>
+            </a:r>
+            <a:br>
+              <a:rPr lang="es-ES" sz="3600" b="1" cap="all"/>
+            </a:br>
+            <a:r>
+              <a:rPr lang="es-ES" sz="3600" b="1" cap="all"/>
+              <a:t>tarea 9.3 APROBACIÓN DEL PSI</a:t>
+            </a:r>
+            <a:br>
+              <a:rPr lang="es-ES" sz="6000" b="1" cap="all"/>
+            </a:br>
+            <a:endParaRPr lang="en-US" sz="4800"/>
+          </a:p>
+        </p:txBody>
+      </p:sp>
+    </p:spTree>
+    <p:extLst>
+      <p:ext uri="{BB962C8B-B14F-4D97-AF65-F5344CB8AC3E}">
+        <p14:creationId xmlns:p14="http://schemas.microsoft.com/office/powerpoint/2010/main" val="265367348"/>
       </p:ext>
     </p:extLst>
   </p:cSld>
